--- a/presentacion.pptx
+++ b/presentacion.pptx
@@ -5,7 +5,7 @@
     <p:sldMasterId id="2147483659" r:id="rId1"/>
   </p:sldMasterIdLst>
   <p:notesMasterIdLst>
-    <p:notesMasterId r:id="rId9"/>
+    <p:notesMasterId r:id="rId10"/>
   </p:notesMasterIdLst>
   <p:sldIdLst>
     <p:sldId id="256" r:id="rId2"/>
@@ -15,17 +15,18 @@
     <p:sldId id="260" r:id="rId6"/>
     <p:sldId id="280" r:id="rId7"/>
     <p:sldId id="279" r:id="rId8"/>
+    <p:sldId id="281" r:id="rId9"/>
   </p:sldIdLst>
   <p:sldSz cx="9144000" cy="5143500" type="screen16x9"/>
   <p:notesSz cx="6858000" cy="9144000"/>
   <p:embeddedFontLst>
     <p:embeddedFont>
       <p:font typeface="Varela Round" charset="-79"/>
-      <p:regular r:id="rId10"/>
+      <p:regular r:id="rId11"/>
     </p:embeddedFont>
     <p:embeddedFont>
       <p:font typeface="Nixie One" charset="0"/>
-      <p:regular r:id="rId11"/>
+      <p:regular r:id="rId12"/>
     </p:embeddedFont>
   </p:embeddedFontLst>
   <p:defaultTextStyle>
@@ -6750,12 +6751,512 @@
   <p:clrMapOvr>
     <a:masterClrMapping/>
   </p:clrMapOvr>
+  <p:transition spd="slow">
+    <p:randomBar dir="vert"/>
+  </p:transition>
   <p:timing>
     <p:tnLst>
       <p:par>
-        <p:cTn id="1" dur="indefinite" restart="never" nodeType="tmRoot"/>
+        <p:cTn id="1" dur="indefinite" restart="never" nodeType="tmRoot">
+          <p:childTnLst>
+            <p:seq concurrent="1" nextAc="seek">
+              <p:cTn id="2" dur="indefinite" nodeType="mainSeq">
+                <p:childTnLst>
+                  <p:par>
+                    <p:cTn id="3" fill="hold">
+                      <p:stCondLst>
+                        <p:cond delay="indefinite"/>
+                        <p:cond evt="onBegin" delay="0">
+                          <p:tn val="2"/>
+                        </p:cond>
+                      </p:stCondLst>
+                      <p:childTnLst>
+                        <p:par>
+                          <p:cTn id="4" fill="hold">
+                            <p:stCondLst>
+                              <p:cond delay="0"/>
+                            </p:stCondLst>
+                            <p:childTnLst>
+                              <p:par>
+                                <p:cTn id="5" presetID="26" presetClass="entr" presetSubtype="0" fill="hold" grpId="0" nodeType="afterEffect">
+                                  <p:stCondLst>
+                                    <p:cond delay="0"/>
+                                  </p:stCondLst>
+                                  <p:childTnLst>
+                                    <p:set>
+                                      <p:cBhvr>
+                                        <p:cTn id="6" dur="1" fill="hold">
+                                          <p:stCondLst>
+                                            <p:cond delay="0"/>
+                                          </p:stCondLst>
+                                        </p:cTn>
+                                        <p:tgtEl>
+                                          <p:spTgt spid="184"/>
+                                        </p:tgtEl>
+                                        <p:attrNameLst>
+                                          <p:attrName>style.visibility</p:attrName>
+                                        </p:attrNameLst>
+                                      </p:cBhvr>
+                                      <p:to>
+                                        <p:strVal val="visible"/>
+                                      </p:to>
+                                    </p:set>
+                                    <p:animEffect transition="in" filter="wipe(down)">
+                                      <p:cBhvr>
+                                        <p:cTn id="7" dur="580">
+                                          <p:stCondLst>
+                                            <p:cond delay="0"/>
+                                          </p:stCondLst>
+                                        </p:cTn>
+                                        <p:tgtEl>
+                                          <p:spTgt spid="184"/>
+                                        </p:tgtEl>
+                                      </p:cBhvr>
+                                    </p:animEffect>
+                                    <p:anim calcmode="lin" valueType="num">
+                                      <p:cBhvr>
+                                        <p:cTn id="8" dur="1822" tmFilter="0,0; 0.14,0.36; 0.43,0.73; 0.71,0.91; 1.0,1.0">
+                                          <p:stCondLst>
+                                            <p:cond delay="0"/>
+                                          </p:stCondLst>
+                                        </p:cTn>
+                                        <p:tgtEl>
+                                          <p:spTgt spid="184"/>
+                                        </p:tgtEl>
+                                        <p:attrNameLst>
+                                          <p:attrName>ppt_x</p:attrName>
+                                        </p:attrNameLst>
+                                      </p:cBhvr>
+                                      <p:tavLst>
+                                        <p:tav tm="0">
+                                          <p:val>
+                                            <p:strVal val="#ppt_x-0.25"/>
+                                          </p:val>
+                                        </p:tav>
+                                        <p:tav tm="100000">
+                                          <p:val>
+                                            <p:strVal val="#ppt_x"/>
+                                          </p:val>
+                                        </p:tav>
+                                      </p:tavLst>
+                                    </p:anim>
+                                    <p:anim calcmode="lin" valueType="num">
+                                      <p:cBhvr>
+                                        <p:cTn id="9" dur="664" tmFilter="0.0,0.0; 0.25,0.07; 0.50,0.2; 0.75,0.467; 1.0,1.0">
+                                          <p:stCondLst>
+                                            <p:cond delay="0"/>
+                                          </p:stCondLst>
+                                        </p:cTn>
+                                        <p:tgtEl>
+                                          <p:spTgt spid="184"/>
+                                        </p:tgtEl>
+                                        <p:attrNameLst>
+                                          <p:attrName>ppt_y</p:attrName>
+                                        </p:attrNameLst>
+                                      </p:cBhvr>
+                                      <p:tavLst>
+                                        <p:tav tm="0" fmla="#ppt_y-sin(pi*$)/3">
+                                          <p:val>
+                                            <p:fltVal val="0.5"/>
+                                          </p:val>
+                                        </p:tav>
+                                        <p:tav tm="100000">
+                                          <p:val>
+                                            <p:fltVal val="1"/>
+                                          </p:val>
+                                        </p:tav>
+                                      </p:tavLst>
+                                    </p:anim>
+                                    <p:anim calcmode="lin" valueType="num">
+                                      <p:cBhvr>
+                                        <p:cTn id="10" dur="664" tmFilter="0, 0; 0.125,0.2665; 0.25,0.4; 0.375,0.465; 0.5,0.5;  0.625,0.535; 0.75,0.6; 0.875,0.7335; 1,1">
+                                          <p:stCondLst>
+                                            <p:cond delay="664"/>
+                                          </p:stCondLst>
+                                        </p:cTn>
+                                        <p:tgtEl>
+                                          <p:spTgt spid="184"/>
+                                        </p:tgtEl>
+                                        <p:attrNameLst>
+                                          <p:attrName>ppt_y</p:attrName>
+                                        </p:attrNameLst>
+                                      </p:cBhvr>
+                                      <p:tavLst>
+                                        <p:tav tm="0" fmla="#ppt_y-sin(pi*$)/9">
+                                          <p:val>
+                                            <p:fltVal val="0"/>
+                                          </p:val>
+                                        </p:tav>
+                                        <p:tav tm="100000">
+                                          <p:val>
+                                            <p:fltVal val="1"/>
+                                          </p:val>
+                                        </p:tav>
+                                      </p:tavLst>
+                                    </p:anim>
+                                    <p:anim calcmode="lin" valueType="num">
+                                      <p:cBhvr>
+                                        <p:cTn id="11" dur="332" tmFilter="0, 0; 0.125,0.2665; 0.25,0.4; 0.375,0.465; 0.5,0.5;  0.625,0.535; 0.75,0.6; 0.875,0.7335; 1,1">
+                                          <p:stCondLst>
+                                            <p:cond delay="1324"/>
+                                          </p:stCondLst>
+                                        </p:cTn>
+                                        <p:tgtEl>
+                                          <p:spTgt spid="184"/>
+                                        </p:tgtEl>
+                                        <p:attrNameLst>
+                                          <p:attrName>ppt_y</p:attrName>
+                                        </p:attrNameLst>
+                                      </p:cBhvr>
+                                      <p:tavLst>
+                                        <p:tav tm="0" fmla="#ppt_y-sin(pi*$)/27">
+                                          <p:val>
+                                            <p:fltVal val="0"/>
+                                          </p:val>
+                                        </p:tav>
+                                        <p:tav tm="100000">
+                                          <p:val>
+                                            <p:fltVal val="1"/>
+                                          </p:val>
+                                        </p:tav>
+                                      </p:tavLst>
+                                    </p:anim>
+                                    <p:anim calcmode="lin" valueType="num">
+                                      <p:cBhvr>
+                                        <p:cTn id="12" dur="164" tmFilter="0, 0; 0.125,0.2665; 0.25,0.4; 0.375,0.465; 0.5,0.5;  0.625,0.535; 0.75,0.6; 0.875,0.7335; 1,1">
+                                          <p:stCondLst>
+                                            <p:cond delay="1656"/>
+                                          </p:stCondLst>
+                                        </p:cTn>
+                                        <p:tgtEl>
+                                          <p:spTgt spid="184"/>
+                                        </p:tgtEl>
+                                        <p:attrNameLst>
+                                          <p:attrName>ppt_y</p:attrName>
+                                        </p:attrNameLst>
+                                      </p:cBhvr>
+                                      <p:tavLst>
+                                        <p:tav tm="0" fmla="#ppt_y-sin(pi*$)/81">
+                                          <p:val>
+                                            <p:fltVal val="0"/>
+                                          </p:val>
+                                        </p:tav>
+                                        <p:tav tm="100000">
+                                          <p:val>
+                                            <p:fltVal val="1"/>
+                                          </p:val>
+                                        </p:tav>
+                                      </p:tavLst>
+                                    </p:anim>
+                                    <p:animScale>
+                                      <p:cBhvr>
+                                        <p:cTn id="13" dur="26">
+                                          <p:stCondLst>
+                                            <p:cond delay="650"/>
+                                          </p:stCondLst>
+                                        </p:cTn>
+                                        <p:tgtEl>
+                                          <p:spTgt spid="184"/>
+                                        </p:tgtEl>
+                                      </p:cBhvr>
+                                      <p:to x="100000" y="60000"/>
+                                    </p:animScale>
+                                    <p:animScale>
+                                      <p:cBhvr>
+                                        <p:cTn id="14" dur="166" decel="50000">
+                                          <p:stCondLst>
+                                            <p:cond delay="676"/>
+                                          </p:stCondLst>
+                                        </p:cTn>
+                                        <p:tgtEl>
+                                          <p:spTgt spid="184"/>
+                                        </p:tgtEl>
+                                      </p:cBhvr>
+                                      <p:to x="100000" y="100000"/>
+                                    </p:animScale>
+                                    <p:animScale>
+                                      <p:cBhvr>
+                                        <p:cTn id="15" dur="26">
+                                          <p:stCondLst>
+                                            <p:cond delay="1312"/>
+                                          </p:stCondLst>
+                                        </p:cTn>
+                                        <p:tgtEl>
+                                          <p:spTgt spid="184"/>
+                                        </p:tgtEl>
+                                      </p:cBhvr>
+                                      <p:to x="100000" y="80000"/>
+                                    </p:animScale>
+                                    <p:animScale>
+                                      <p:cBhvr>
+                                        <p:cTn id="16" dur="166" decel="50000">
+                                          <p:stCondLst>
+                                            <p:cond delay="1338"/>
+                                          </p:stCondLst>
+                                        </p:cTn>
+                                        <p:tgtEl>
+                                          <p:spTgt spid="184"/>
+                                        </p:tgtEl>
+                                      </p:cBhvr>
+                                      <p:to x="100000" y="100000"/>
+                                    </p:animScale>
+                                    <p:animScale>
+                                      <p:cBhvr>
+                                        <p:cTn id="17" dur="26">
+                                          <p:stCondLst>
+                                            <p:cond delay="1642"/>
+                                          </p:stCondLst>
+                                        </p:cTn>
+                                        <p:tgtEl>
+                                          <p:spTgt spid="184"/>
+                                        </p:tgtEl>
+                                      </p:cBhvr>
+                                      <p:to x="100000" y="90000"/>
+                                    </p:animScale>
+                                    <p:animScale>
+                                      <p:cBhvr>
+                                        <p:cTn id="18" dur="166" decel="50000">
+                                          <p:stCondLst>
+                                            <p:cond delay="1668"/>
+                                          </p:stCondLst>
+                                        </p:cTn>
+                                        <p:tgtEl>
+                                          <p:spTgt spid="184"/>
+                                        </p:tgtEl>
+                                      </p:cBhvr>
+                                      <p:to x="100000" y="100000"/>
+                                    </p:animScale>
+                                    <p:animScale>
+                                      <p:cBhvr>
+                                        <p:cTn id="19" dur="26">
+                                          <p:stCondLst>
+                                            <p:cond delay="1808"/>
+                                          </p:stCondLst>
+                                        </p:cTn>
+                                        <p:tgtEl>
+                                          <p:spTgt spid="184"/>
+                                        </p:tgtEl>
+                                      </p:cBhvr>
+                                      <p:to x="100000" y="95000"/>
+                                    </p:animScale>
+                                    <p:animScale>
+                                      <p:cBhvr>
+                                        <p:cTn id="20" dur="166" decel="50000">
+                                          <p:stCondLst>
+                                            <p:cond delay="1834"/>
+                                          </p:stCondLst>
+                                        </p:cTn>
+                                        <p:tgtEl>
+                                          <p:spTgt spid="184"/>
+                                        </p:tgtEl>
+                                      </p:cBhvr>
+                                      <p:to x="100000" y="100000"/>
+                                    </p:animScale>
+                                  </p:childTnLst>
+                                </p:cTn>
+                              </p:par>
+                            </p:childTnLst>
+                          </p:cTn>
+                        </p:par>
+                        <p:par>
+                          <p:cTn id="21" fill="hold">
+                            <p:stCondLst>
+                              <p:cond delay="2000"/>
+                            </p:stCondLst>
+                            <p:childTnLst>
+                              <p:par>
+                                <p:cTn id="22" presetID="53" presetClass="entr" presetSubtype="16" fill="hold" nodeType="afterEffect">
+                                  <p:stCondLst>
+                                    <p:cond delay="0"/>
+                                  </p:stCondLst>
+                                  <p:childTnLst>
+                                    <p:set>
+                                      <p:cBhvr>
+                                        <p:cTn id="23" dur="1" fill="hold">
+                                          <p:stCondLst>
+                                            <p:cond delay="0"/>
+                                          </p:stCondLst>
+                                        </p:cTn>
+                                        <p:tgtEl>
+                                          <p:spTgt spid="7"/>
+                                        </p:tgtEl>
+                                        <p:attrNameLst>
+                                          <p:attrName>style.visibility</p:attrName>
+                                        </p:attrNameLst>
+                                      </p:cBhvr>
+                                      <p:to>
+                                        <p:strVal val="visible"/>
+                                      </p:to>
+                                    </p:set>
+                                    <p:anim calcmode="lin" valueType="num">
+                                      <p:cBhvr>
+                                        <p:cTn id="24" dur="500" fill="hold"/>
+                                        <p:tgtEl>
+                                          <p:spTgt spid="7"/>
+                                        </p:tgtEl>
+                                        <p:attrNameLst>
+                                          <p:attrName>ppt_w</p:attrName>
+                                        </p:attrNameLst>
+                                      </p:cBhvr>
+                                      <p:tavLst>
+                                        <p:tav tm="0">
+                                          <p:val>
+                                            <p:fltVal val="0"/>
+                                          </p:val>
+                                        </p:tav>
+                                        <p:tav tm="100000">
+                                          <p:val>
+                                            <p:strVal val="#ppt_w"/>
+                                          </p:val>
+                                        </p:tav>
+                                      </p:tavLst>
+                                    </p:anim>
+                                    <p:anim calcmode="lin" valueType="num">
+                                      <p:cBhvr>
+                                        <p:cTn id="25" dur="500" fill="hold"/>
+                                        <p:tgtEl>
+                                          <p:spTgt spid="7"/>
+                                        </p:tgtEl>
+                                        <p:attrNameLst>
+                                          <p:attrName>ppt_h</p:attrName>
+                                        </p:attrNameLst>
+                                      </p:cBhvr>
+                                      <p:tavLst>
+                                        <p:tav tm="0">
+                                          <p:val>
+                                            <p:fltVal val="0"/>
+                                          </p:val>
+                                        </p:tav>
+                                        <p:tav tm="100000">
+                                          <p:val>
+                                            <p:strVal val="#ppt_h"/>
+                                          </p:val>
+                                        </p:tav>
+                                      </p:tavLst>
+                                    </p:anim>
+                                    <p:animEffect transition="in" filter="fade">
+                                      <p:cBhvr>
+                                        <p:cTn id="26" dur="500"/>
+                                        <p:tgtEl>
+                                          <p:spTgt spid="7"/>
+                                        </p:tgtEl>
+                                      </p:cBhvr>
+                                    </p:animEffect>
+                                  </p:childTnLst>
+                                </p:cTn>
+                              </p:par>
+                              <p:par>
+                                <p:cTn id="27" presetID="53" presetClass="entr" presetSubtype="16" fill="hold" grpId="0" nodeType="withEffect">
+                                  <p:stCondLst>
+                                    <p:cond delay="0"/>
+                                  </p:stCondLst>
+                                  <p:childTnLst>
+                                    <p:set>
+                                      <p:cBhvr>
+                                        <p:cTn id="28" dur="1" fill="hold">
+                                          <p:stCondLst>
+                                            <p:cond delay="0"/>
+                                          </p:stCondLst>
+                                        </p:cTn>
+                                        <p:tgtEl>
+                                          <p:spTgt spid="4"/>
+                                        </p:tgtEl>
+                                        <p:attrNameLst>
+                                          <p:attrName>style.visibility</p:attrName>
+                                        </p:attrNameLst>
+                                      </p:cBhvr>
+                                      <p:to>
+                                        <p:strVal val="visible"/>
+                                      </p:to>
+                                    </p:set>
+                                    <p:anim calcmode="lin" valueType="num">
+                                      <p:cBhvr>
+                                        <p:cTn id="29" dur="500" fill="hold"/>
+                                        <p:tgtEl>
+                                          <p:spTgt spid="4"/>
+                                        </p:tgtEl>
+                                        <p:attrNameLst>
+                                          <p:attrName>ppt_w</p:attrName>
+                                        </p:attrNameLst>
+                                      </p:cBhvr>
+                                      <p:tavLst>
+                                        <p:tav tm="0">
+                                          <p:val>
+                                            <p:fltVal val="0"/>
+                                          </p:val>
+                                        </p:tav>
+                                        <p:tav tm="100000">
+                                          <p:val>
+                                            <p:strVal val="#ppt_w"/>
+                                          </p:val>
+                                        </p:tav>
+                                      </p:tavLst>
+                                    </p:anim>
+                                    <p:anim calcmode="lin" valueType="num">
+                                      <p:cBhvr>
+                                        <p:cTn id="30" dur="500" fill="hold"/>
+                                        <p:tgtEl>
+                                          <p:spTgt spid="4"/>
+                                        </p:tgtEl>
+                                        <p:attrNameLst>
+                                          <p:attrName>ppt_h</p:attrName>
+                                        </p:attrNameLst>
+                                      </p:cBhvr>
+                                      <p:tavLst>
+                                        <p:tav tm="0">
+                                          <p:val>
+                                            <p:fltVal val="0"/>
+                                          </p:val>
+                                        </p:tav>
+                                        <p:tav tm="100000">
+                                          <p:val>
+                                            <p:strVal val="#ppt_h"/>
+                                          </p:val>
+                                        </p:tav>
+                                      </p:tavLst>
+                                    </p:anim>
+                                    <p:animEffect transition="in" filter="fade">
+                                      <p:cBhvr>
+                                        <p:cTn id="31" dur="500"/>
+                                        <p:tgtEl>
+                                          <p:spTgt spid="4"/>
+                                        </p:tgtEl>
+                                      </p:cBhvr>
+                                    </p:animEffect>
+                                  </p:childTnLst>
+                                </p:cTn>
+                              </p:par>
+                            </p:childTnLst>
+                          </p:cTn>
+                        </p:par>
+                      </p:childTnLst>
+                    </p:cTn>
+                  </p:par>
+                </p:childTnLst>
+              </p:cTn>
+              <p:prevCondLst>
+                <p:cond evt="onPrev" delay="0">
+                  <p:tgtEl>
+                    <p:sldTgt/>
+                  </p:tgtEl>
+                </p:cond>
+              </p:prevCondLst>
+              <p:nextCondLst>
+                <p:cond evt="onNext" delay="0">
+                  <p:tgtEl>
+                    <p:sldTgt/>
+                  </p:tgtEl>
+                </p:cond>
+              </p:nextCondLst>
+            </p:seq>
+          </p:childTnLst>
+        </p:cTn>
       </p:par>
     </p:tnLst>
+    <p:bldLst>
+      <p:bldP spid="184" grpId="0"/>
+      <p:bldP spid="4" grpId="0"/>
+    </p:bldLst>
   </p:timing>
 </p:sld>
 </file>
@@ -6828,7 +7329,7 @@
         </p:nvSpPr>
         <p:spPr>
           <a:xfrm>
-            <a:off x="1304925" y="3868754"/>
+            <a:off x="1259632" y="4091207"/>
             <a:ext cx="6534300" cy="784799"/>
           </a:xfrm>
           <a:prstGeom prst="rect">
@@ -6860,45 +7361,6 @@
                 <a:srgbClr val="A1BECC"/>
               </a:solidFill>
             </a:endParaRPr>
-          </a:p>
-        </p:txBody>
-      </p:sp>
-      <p:sp>
-        <p:nvSpPr>
-          <p:cNvPr id="226" name="Shape 226"/>
-          <p:cNvSpPr/>
-          <p:nvPr/>
-        </p:nvSpPr>
-        <p:spPr>
-          <a:xfrm>
-            <a:off x="3333750" y="1333500"/>
-            <a:ext cx="2476500" cy="2476500"/>
-          </a:xfrm>
-          <a:prstGeom prst="ellipse">
-            <a:avLst/>
-          </a:prstGeom>
-          <a:solidFill>
-            <a:srgbClr val="E8004C">
-              <a:alpha val="86670"/>
-            </a:srgbClr>
-          </a:solidFill>
-          <a:ln>
-            <a:noFill/>
-          </a:ln>
-        </p:spPr>
-        <p:txBody>
-          <a:bodyPr lIns="91425" tIns="91425" rIns="91425" bIns="91425" anchor="ctr" anchorCtr="0">
-            <a:noAutofit/>
-          </a:bodyPr>
-          <a:lstStyle/>
-          <a:p>
-            <a:pPr lvl="0">
-              <a:spcBef>
-                <a:spcPts val="0"/>
-              </a:spcBef>
-              <a:buNone/>
-            </a:pPr>
-            <a:endParaRPr/>
           </a:p>
         </p:txBody>
       </p:sp>
@@ -7023,981 +7485,6 @@
           </a:p>
         </p:txBody>
       </p:sp>
-      <p:grpSp>
-        <p:nvGrpSpPr>
-          <p:cNvPr id="230" name="Shape 230"/>
-          <p:cNvGrpSpPr/>
-          <p:nvPr/>
-        </p:nvGrpSpPr>
-        <p:grpSpPr>
-          <a:xfrm>
-            <a:off x="3990645" y="2000575"/>
-            <a:ext cx="1162864" cy="1162930"/>
-            <a:chOff x="570875" y="4322250"/>
-            <a:chExt cx="443300" cy="443325"/>
-          </a:xfrm>
-        </p:grpSpPr>
-        <p:sp>
-          <p:nvSpPr>
-            <p:cNvPr id="231" name="Shape 231"/>
-            <p:cNvSpPr/>
-            <p:nvPr/>
-          </p:nvSpPr>
-          <p:spPr>
-            <a:xfrm>
-              <a:off x="570875" y="4322250"/>
-              <a:ext cx="443300" cy="443325"/>
-            </a:xfrm>
-            <a:custGeom>
-              <a:avLst/>
-              <a:gdLst/>
-              <a:ahLst/>
-              <a:cxnLst/>
-              <a:rect l="0" t="0" r="0" b="0"/>
-              <a:pathLst>
-                <a:path w="17732" h="17733" extrusionOk="0">
-                  <a:moveTo>
-                    <a:pt x="13091" y="2712"/>
-                  </a:moveTo>
-                  <a:lnTo>
-                    <a:pt x="13286" y="2736"/>
-                  </a:lnTo>
-                  <a:lnTo>
-                    <a:pt x="13506" y="2785"/>
-                  </a:lnTo>
-                  <a:lnTo>
-                    <a:pt x="13702" y="2858"/>
-                  </a:lnTo>
-                  <a:lnTo>
-                    <a:pt x="13873" y="2956"/>
-                  </a:lnTo>
-                  <a:lnTo>
-                    <a:pt x="14068" y="3054"/>
-                  </a:lnTo>
-                  <a:lnTo>
-                    <a:pt x="14239" y="3176"/>
-                  </a:lnTo>
-                  <a:lnTo>
-                    <a:pt x="14410" y="3323"/>
-                  </a:lnTo>
-                  <a:lnTo>
-                    <a:pt x="14556" y="3493"/>
-                  </a:lnTo>
-                  <a:lnTo>
-                    <a:pt x="14679" y="3664"/>
-                  </a:lnTo>
-                  <a:lnTo>
-                    <a:pt x="14776" y="3860"/>
-                  </a:lnTo>
-                  <a:lnTo>
-                    <a:pt x="14874" y="4031"/>
-                  </a:lnTo>
-                  <a:lnTo>
-                    <a:pt x="14947" y="4226"/>
-                  </a:lnTo>
-                  <a:lnTo>
-                    <a:pt x="14996" y="4446"/>
-                  </a:lnTo>
-                  <a:lnTo>
-                    <a:pt x="15021" y="4641"/>
-                  </a:lnTo>
-                  <a:lnTo>
-                    <a:pt x="15021" y="4861"/>
-                  </a:lnTo>
-                  <a:lnTo>
-                    <a:pt x="15021" y="5057"/>
-                  </a:lnTo>
-                  <a:lnTo>
-                    <a:pt x="14996" y="5252"/>
-                  </a:lnTo>
-                  <a:lnTo>
-                    <a:pt x="14947" y="5472"/>
-                  </a:lnTo>
-                  <a:lnTo>
-                    <a:pt x="14874" y="5667"/>
-                  </a:lnTo>
-                  <a:lnTo>
-                    <a:pt x="14776" y="5838"/>
-                  </a:lnTo>
-                  <a:lnTo>
-                    <a:pt x="14679" y="6033"/>
-                  </a:lnTo>
-                  <a:lnTo>
-                    <a:pt x="14556" y="6204"/>
-                  </a:lnTo>
-                  <a:lnTo>
-                    <a:pt x="14410" y="6375"/>
-                  </a:lnTo>
-                  <a:lnTo>
-                    <a:pt x="13433" y="7328"/>
-                  </a:lnTo>
-                  <a:lnTo>
-                    <a:pt x="13311" y="7426"/>
-                  </a:lnTo>
-                  <a:lnTo>
-                    <a:pt x="13189" y="7499"/>
-                  </a:lnTo>
-                  <a:lnTo>
-                    <a:pt x="13042" y="7548"/>
-                  </a:lnTo>
-                  <a:lnTo>
-                    <a:pt x="12871" y="7572"/>
-                  </a:lnTo>
-                  <a:lnTo>
-                    <a:pt x="12725" y="7548"/>
-                  </a:lnTo>
-                  <a:lnTo>
-                    <a:pt x="12578" y="7499"/>
-                  </a:lnTo>
-                  <a:lnTo>
-                    <a:pt x="12456" y="7426"/>
-                  </a:lnTo>
-                  <a:lnTo>
-                    <a:pt x="12334" y="7328"/>
-                  </a:lnTo>
-                  <a:lnTo>
-                    <a:pt x="10405" y="5398"/>
-                  </a:lnTo>
-                  <a:lnTo>
-                    <a:pt x="10307" y="5276"/>
-                  </a:lnTo>
-                  <a:lnTo>
-                    <a:pt x="10234" y="5154"/>
-                  </a:lnTo>
-                  <a:lnTo>
-                    <a:pt x="10185" y="5008"/>
-                  </a:lnTo>
-                  <a:lnTo>
-                    <a:pt x="10160" y="4861"/>
-                  </a:lnTo>
-                  <a:lnTo>
-                    <a:pt x="10185" y="4690"/>
-                  </a:lnTo>
-                  <a:lnTo>
-                    <a:pt x="10234" y="4544"/>
-                  </a:lnTo>
-                  <a:lnTo>
-                    <a:pt x="10307" y="4422"/>
-                  </a:lnTo>
-                  <a:lnTo>
-                    <a:pt x="10405" y="4299"/>
-                  </a:lnTo>
-                  <a:lnTo>
-                    <a:pt x="11357" y="3323"/>
-                  </a:lnTo>
-                  <a:lnTo>
-                    <a:pt x="11528" y="3176"/>
-                  </a:lnTo>
-                  <a:lnTo>
-                    <a:pt x="11699" y="3054"/>
-                  </a:lnTo>
-                  <a:lnTo>
-                    <a:pt x="11894" y="2956"/>
-                  </a:lnTo>
-                  <a:lnTo>
-                    <a:pt x="12065" y="2858"/>
-                  </a:lnTo>
-                  <a:lnTo>
-                    <a:pt x="12261" y="2785"/>
-                  </a:lnTo>
-                  <a:lnTo>
-                    <a:pt x="12481" y="2736"/>
-                  </a:lnTo>
-                  <a:lnTo>
-                    <a:pt x="12676" y="2712"/>
-                  </a:lnTo>
-                  <a:close/>
-                  <a:moveTo>
-                    <a:pt x="8377" y="8867"/>
-                  </a:moveTo>
-                  <a:lnTo>
-                    <a:pt x="8475" y="8891"/>
-                  </a:lnTo>
-                  <a:lnTo>
-                    <a:pt x="8548" y="8915"/>
-                  </a:lnTo>
-                  <a:lnTo>
-                    <a:pt x="8646" y="8964"/>
-                  </a:lnTo>
-                  <a:lnTo>
-                    <a:pt x="8719" y="9013"/>
-                  </a:lnTo>
-                  <a:lnTo>
-                    <a:pt x="8768" y="9086"/>
-                  </a:lnTo>
-                  <a:lnTo>
-                    <a:pt x="8817" y="9184"/>
-                  </a:lnTo>
-                  <a:lnTo>
-                    <a:pt x="8841" y="9257"/>
-                  </a:lnTo>
-                  <a:lnTo>
-                    <a:pt x="8866" y="9355"/>
-                  </a:lnTo>
-                  <a:lnTo>
-                    <a:pt x="8841" y="9453"/>
-                  </a:lnTo>
-                  <a:lnTo>
-                    <a:pt x="8817" y="9550"/>
-                  </a:lnTo>
-                  <a:lnTo>
-                    <a:pt x="8768" y="9624"/>
-                  </a:lnTo>
-                  <a:lnTo>
-                    <a:pt x="8719" y="9697"/>
-                  </a:lnTo>
-                  <a:lnTo>
-                    <a:pt x="6179" y="12237"/>
-                  </a:lnTo>
-                  <a:lnTo>
-                    <a:pt x="6106" y="12310"/>
-                  </a:lnTo>
-                  <a:lnTo>
-                    <a:pt x="6033" y="12359"/>
-                  </a:lnTo>
-                  <a:lnTo>
-                    <a:pt x="5935" y="12383"/>
-                  </a:lnTo>
-                  <a:lnTo>
-                    <a:pt x="5740" y="12383"/>
-                  </a:lnTo>
-                  <a:lnTo>
-                    <a:pt x="5642" y="12359"/>
-                  </a:lnTo>
-                  <a:lnTo>
-                    <a:pt x="5569" y="12310"/>
-                  </a:lnTo>
-                  <a:lnTo>
-                    <a:pt x="5496" y="12237"/>
-                  </a:lnTo>
-                  <a:lnTo>
-                    <a:pt x="5422" y="12164"/>
-                  </a:lnTo>
-                  <a:lnTo>
-                    <a:pt x="5373" y="12090"/>
-                  </a:lnTo>
-                  <a:lnTo>
-                    <a:pt x="5349" y="11993"/>
-                  </a:lnTo>
-                  <a:lnTo>
-                    <a:pt x="5349" y="11895"/>
-                  </a:lnTo>
-                  <a:lnTo>
-                    <a:pt x="5349" y="11797"/>
-                  </a:lnTo>
-                  <a:lnTo>
-                    <a:pt x="5373" y="11700"/>
-                  </a:lnTo>
-                  <a:lnTo>
-                    <a:pt x="5422" y="11626"/>
-                  </a:lnTo>
-                  <a:lnTo>
-                    <a:pt x="5496" y="11553"/>
-                  </a:lnTo>
-                  <a:lnTo>
-                    <a:pt x="8036" y="9013"/>
-                  </a:lnTo>
-                  <a:lnTo>
-                    <a:pt x="8109" y="8964"/>
-                  </a:lnTo>
-                  <a:lnTo>
-                    <a:pt x="8182" y="8915"/>
-                  </a:lnTo>
-                  <a:lnTo>
-                    <a:pt x="8280" y="8891"/>
-                  </a:lnTo>
-                  <a:lnTo>
-                    <a:pt x="8377" y="8867"/>
-                  </a:lnTo>
-                  <a:close/>
-                  <a:moveTo>
-                    <a:pt x="14825" y="1"/>
-                  </a:moveTo>
-                  <a:lnTo>
-                    <a:pt x="14288" y="25"/>
-                  </a:lnTo>
-                  <a:lnTo>
-                    <a:pt x="13751" y="50"/>
-                  </a:lnTo>
-                  <a:lnTo>
-                    <a:pt x="13213" y="123"/>
-                  </a:lnTo>
-                  <a:lnTo>
-                    <a:pt x="12676" y="245"/>
-                  </a:lnTo>
-                  <a:lnTo>
-                    <a:pt x="12163" y="367"/>
-                  </a:lnTo>
-                  <a:lnTo>
-                    <a:pt x="11675" y="538"/>
-                  </a:lnTo>
-                  <a:lnTo>
-                    <a:pt x="11235" y="758"/>
-                  </a:lnTo>
-                  <a:lnTo>
-                    <a:pt x="11015" y="856"/>
-                  </a:lnTo>
-                  <a:lnTo>
-                    <a:pt x="10844" y="1002"/>
-                  </a:lnTo>
-                  <a:lnTo>
-                    <a:pt x="10649" y="1124"/>
-                  </a:lnTo>
-                  <a:lnTo>
-                    <a:pt x="10502" y="1271"/>
-                  </a:lnTo>
-                  <a:lnTo>
-                    <a:pt x="5544" y="6229"/>
-                  </a:lnTo>
-                  <a:lnTo>
-                    <a:pt x="391" y="6229"/>
-                  </a:lnTo>
-                  <a:lnTo>
-                    <a:pt x="245" y="6253"/>
-                  </a:lnTo>
-                  <a:lnTo>
-                    <a:pt x="147" y="6278"/>
-                  </a:lnTo>
-                  <a:lnTo>
-                    <a:pt x="49" y="6327"/>
-                  </a:lnTo>
-                  <a:lnTo>
-                    <a:pt x="0" y="6400"/>
-                  </a:lnTo>
-                  <a:lnTo>
-                    <a:pt x="0" y="6473"/>
-                  </a:lnTo>
-                  <a:lnTo>
-                    <a:pt x="25" y="6571"/>
-                  </a:lnTo>
-                  <a:lnTo>
-                    <a:pt x="74" y="6668"/>
-                  </a:lnTo>
-                  <a:lnTo>
-                    <a:pt x="171" y="6791"/>
-                  </a:lnTo>
-                  <a:lnTo>
-                    <a:pt x="2589" y="9184"/>
-                  </a:lnTo>
-                  <a:lnTo>
-                    <a:pt x="2272" y="9502"/>
-                  </a:lnTo>
-                  <a:lnTo>
-                    <a:pt x="953" y="9746"/>
-                  </a:lnTo>
-                  <a:lnTo>
-                    <a:pt x="806" y="9795"/>
-                  </a:lnTo>
-                  <a:lnTo>
-                    <a:pt x="684" y="9843"/>
-                  </a:lnTo>
-                  <a:lnTo>
-                    <a:pt x="611" y="9941"/>
-                  </a:lnTo>
-                  <a:lnTo>
-                    <a:pt x="562" y="10014"/>
-                  </a:lnTo>
-                  <a:lnTo>
-                    <a:pt x="562" y="10112"/>
-                  </a:lnTo>
-                  <a:lnTo>
-                    <a:pt x="586" y="10234"/>
-                  </a:lnTo>
-                  <a:lnTo>
-                    <a:pt x="635" y="10332"/>
-                  </a:lnTo>
-                  <a:lnTo>
-                    <a:pt x="733" y="10454"/>
-                  </a:lnTo>
-                  <a:lnTo>
-                    <a:pt x="7278" y="16999"/>
-                  </a:lnTo>
-                  <a:lnTo>
-                    <a:pt x="7401" y="17097"/>
-                  </a:lnTo>
-                  <a:lnTo>
-                    <a:pt x="7498" y="17146"/>
-                  </a:lnTo>
-                  <a:lnTo>
-                    <a:pt x="7620" y="17170"/>
-                  </a:lnTo>
-                  <a:lnTo>
-                    <a:pt x="7718" y="17170"/>
-                  </a:lnTo>
-                  <a:lnTo>
-                    <a:pt x="7791" y="17122"/>
-                  </a:lnTo>
-                  <a:lnTo>
-                    <a:pt x="7889" y="17048"/>
-                  </a:lnTo>
-                  <a:lnTo>
-                    <a:pt x="7938" y="16926"/>
-                  </a:lnTo>
-                  <a:lnTo>
-                    <a:pt x="7987" y="16780"/>
-                  </a:lnTo>
-                  <a:lnTo>
-                    <a:pt x="8231" y="15461"/>
-                  </a:lnTo>
-                  <a:lnTo>
-                    <a:pt x="8548" y="15143"/>
-                  </a:lnTo>
-                  <a:lnTo>
-                    <a:pt x="10942" y="17561"/>
-                  </a:lnTo>
-                  <a:lnTo>
-                    <a:pt x="11064" y="17659"/>
-                  </a:lnTo>
-                  <a:lnTo>
-                    <a:pt x="11162" y="17708"/>
-                  </a:lnTo>
-                  <a:lnTo>
-                    <a:pt x="11259" y="17732"/>
-                  </a:lnTo>
-                  <a:lnTo>
-                    <a:pt x="11333" y="17732"/>
-                  </a:lnTo>
-                  <a:lnTo>
-                    <a:pt x="11406" y="17683"/>
-                  </a:lnTo>
-                  <a:lnTo>
-                    <a:pt x="11455" y="17586"/>
-                  </a:lnTo>
-                  <a:lnTo>
-                    <a:pt x="11479" y="17488"/>
-                  </a:lnTo>
-                  <a:lnTo>
-                    <a:pt x="11504" y="17341"/>
-                  </a:lnTo>
-                  <a:lnTo>
-                    <a:pt x="11504" y="12188"/>
-                  </a:lnTo>
-                  <a:lnTo>
-                    <a:pt x="16461" y="7230"/>
-                  </a:lnTo>
-                  <a:lnTo>
-                    <a:pt x="16608" y="7084"/>
-                  </a:lnTo>
-                  <a:lnTo>
-                    <a:pt x="16730" y="6888"/>
-                  </a:lnTo>
-                  <a:lnTo>
-                    <a:pt x="16877" y="6693"/>
-                  </a:lnTo>
-                  <a:lnTo>
-                    <a:pt x="16974" y="6498"/>
-                  </a:lnTo>
-                  <a:lnTo>
-                    <a:pt x="17194" y="6058"/>
-                  </a:lnTo>
-                  <a:lnTo>
-                    <a:pt x="17365" y="5569"/>
-                  </a:lnTo>
-                  <a:lnTo>
-                    <a:pt x="17487" y="5057"/>
-                  </a:lnTo>
-                  <a:lnTo>
-                    <a:pt x="17609" y="4519"/>
-                  </a:lnTo>
-                  <a:lnTo>
-                    <a:pt x="17683" y="3982"/>
-                  </a:lnTo>
-                  <a:lnTo>
-                    <a:pt x="17707" y="3445"/>
-                  </a:lnTo>
-                  <a:lnTo>
-                    <a:pt x="17731" y="2907"/>
-                  </a:lnTo>
-                  <a:lnTo>
-                    <a:pt x="17731" y="2419"/>
-                  </a:lnTo>
-                  <a:lnTo>
-                    <a:pt x="17707" y="1955"/>
-                  </a:lnTo>
-                  <a:lnTo>
-                    <a:pt x="17658" y="1515"/>
-                  </a:lnTo>
-                  <a:lnTo>
-                    <a:pt x="17585" y="1149"/>
-                  </a:lnTo>
-                  <a:lnTo>
-                    <a:pt x="17512" y="831"/>
-                  </a:lnTo>
-                  <a:lnTo>
-                    <a:pt x="17414" y="587"/>
-                  </a:lnTo>
-                  <a:lnTo>
-                    <a:pt x="17341" y="489"/>
-                  </a:lnTo>
-                  <a:lnTo>
-                    <a:pt x="17292" y="441"/>
-                  </a:lnTo>
-                  <a:lnTo>
-                    <a:pt x="17243" y="392"/>
-                  </a:lnTo>
-                  <a:lnTo>
-                    <a:pt x="17145" y="318"/>
-                  </a:lnTo>
-                  <a:lnTo>
-                    <a:pt x="16901" y="221"/>
-                  </a:lnTo>
-                  <a:lnTo>
-                    <a:pt x="16584" y="148"/>
-                  </a:lnTo>
-                  <a:lnTo>
-                    <a:pt x="16217" y="74"/>
-                  </a:lnTo>
-                  <a:lnTo>
-                    <a:pt x="15778" y="25"/>
-                  </a:lnTo>
-                  <a:lnTo>
-                    <a:pt x="15314" y="1"/>
-                  </a:lnTo>
-                  <a:close/>
-                </a:path>
-              </a:pathLst>
-            </a:custGeom>
-            <a:solidFill>
-              <a:srgbClr val="FFFFFF"/>
-            </a:solidFill>
-            <a:ln w="9525" cap="flat" cmpd="sng">
-              <a:solidFill>
-                <a:srgbClr val="617A86"/>
-              </a:solidFill>
-              <a:prstDash val="dash"/>
-              <a:round/>
-              <a:headEnd type="none" w="med" len="med"/>
-              <a:tailEnd type="none" w="med" len="med"/>
-            </a:ln>
-          </p:spPr>
-          <p:txBody>
-            <a:bodyPr lIns="91425" tIns="91425" rIns="91425" bIns="91425" anchor="ctr" anchorCtr="0">
-              <a:noAutofit/>
-            </a:bodyPr>
-            <a:lstStyle/>
-            <a:p>
-              <a:pPr lvl="0">
-                <a:spcBef>
-                  <a:spcPts val="0"/>
-                </a:spcBef>
-                <a:buNone/>
-              </a:pPr>
-              <a:endParaRPr/>
-            </a:p>
-          </p:txBody>
-        </p:sp>
-        <p:sp>
-          <p:nvSpPr>
-            <p:cNvPr id="232" name="Shape 232"/>
-            <p:cNvSpPr/>
-            <p:nvPr/>
-          </p:nvSpPr>
-          <p:spPr>
-            <a:xfrm>
-              <a:off x="597725" y="4665400"/>
-              <a:ext cx="73300" cy="73300"/>
-            </a:xfrm>
-            <a:custGeom>
-              <a:avLst/>
-              <a:gdLst/>
-              <a:ahLst/>
-              <a:cxnLst/>
-              <a:rect l="0" t="0" r="0" b="0"/>
-              <a:pathLst>
-                <a:path w="2932" h="2932" extrusionOk="0">
-                  <a:moveTo>
-                    <a:pt x="2028" y="1"/>
-                  </a:moveTo>
-                  <a:lnTo>
-                    <a:pt x="1857" y="25"/>
-                  </a:lnTo>
-                  <a:lnTo>
-                    <a:pt x="1686" y="74"/>
-                  </a:lnTo>
-                  <a:lnTo>
-                    <a:pt x="1515" y="147"/>
-                  </a:lnTo>
-                  <a:lnTo>
-                    <a:pt x="1369" y="269"/>
-                  </a:lnTo>
-                  <a:lnTo>
-                    <a:pt x="1222" y="489"/>
-                  </a:lnTo>
-                  <a:lnTo>
-                    <a:pt x="1002" y="831"/>
-                  </a:lnTo>
-                  <a:lnTo>
-                    <a:pt x="563" y="1735"/>
-                  </a:lnTo>
-                  <a:lnTo>
-                    <a:pt x="172" y="2565"/>
-                  </a:lnTo>
-                  <a:lnTo>
-                    <a:pt x="1" y="2932"/>
-                  </a:lnTo>
-                  <a:lnTo>
-                    <a:pt x="1" y="2932"/>
-                  </a:lnTo>
-                  <a:lnTo>
-                    <a:pt x="367" y="2761"/>
-                  </a:lnTo>
-                  <a:lnTo>
-                    <a:pt x="1198" y="2370"/>
-                  </a:lnTo>
-                  <a:lnTo>
-                    <a:pt x="2101" y="1930"/>
-                  </a:lnTo>
-                  <a:lnTo>
-                    <a:pt x="2443" y="1710"/>
-                  </a:lnTo>
-                  <a:lnTo>
-                    <a:pt x="2663" y="1564"/>
-                  </a:lnTo>
-                  <a:lnTo>
-                    <a:pt x="2785" y="1417"/>
-                  </a:lnTo>
-                  <a:lnTo>
-                    <a:pt x="2858" y="1246"/>
-                  </a:lnTo>
-                  <a:lnTo>
-                    <a:pt x="2907" y="1075"/>
-                  </a:lnTo>
-                  <a:lnTo>
-                    <a:pt x="2932" y="904"/>
-                  </a:lnTo>
-                  <a:lnTo>
-                    <a:pt x="2907" y="733"/>
-                  </a:lnTo>
-                  <a:lnTo>
-                    <a:pt x="2858" y="562"/>
-                  </a:lnTo>
-                  <a:lnTo>
-                    <a:pt x="2785" y="416"/>
-                  </a:lnTo>
-                  <a:lnTo>
-                    <a:pt x="2663" y="269"/>
-                  </a:lnTo>
-                  <a:lnTo>
-                    <a:pt x="2517" y="147"/>
-                  </a:lnTo>
-                  <a:lnTo>
-                    <a:pt x="2370" y="74"/>
-                  </a:lnTo>
-                  <a:lnTo>
-                    <a:pt x="2199" y="25"/>
-                  </a:lnTo>
-                  <a:lnTo>
-                    <a:pt x="2028" y="1"/>
-                  </a:lnTo>
-                  <a:close/>
-                </a:path>
-              </a:pathLst>
-            </a:custGeom>
-            <a:solidFill>
-              <a:srgbClr val="FFFFFF"/>
-            </a:solidFill>
-            <a:ln w="9525" cap="flat" cmpd="sng">
-              <a:solidFill>
-                <a:srgbClr val="617A86"/>
-              </a:solidFill>
-              <a:prstDash val="dash"/>
-              <a:round/>
-              <a:headEnd type="none" w="med" len="med"/>
-              <a:tailEnd type="none" w="med" len="med"/>
-            </a:ln>
-          </p:spPr>
-          <p:txBody>
-            <a:bodyPr lIns="91425" tIns="91425" rIns="91425" bIns="91425" anchor="ctr" anchorCtr="0">
-              <a:noAutofit/>
-            </a:bodyPr>
-            <a:lstStyle/>
-            <a:p>
-              <a:pPr lvl="0">
-                <a:spcBef>
-                  <a:spcPts val="0"/>
-                </a:spcBef>
-                <a:buNone/>
-              </a:pPr>
-              <a:endParaRPr/>
-            </a:p>
-          </p:txBody>
-        </p:sp>
-        <p:sp>
-          <p:nvSpPr>
-            <p:cNvPr id="233" name="Shape 233"/>
-            <p:cNvSpPr/>
-            <p:nvPr/>
-          </p:nvSpPr>
-          <p:spPr>
-            <a:xfrm>
-              <a:off x="654525" y="4708150"/>
-              <a:ext cx="47025" cy="47025"/>
-            </a:xfrm>
-            <a:custGeom>
-              <a:avLst/>
-              <a:gdLst/>
-              <a:ahLst/>
-              <a:cxnLst/>
-              <a:rect l="0" t="0" r="0" b="0"/>
-              <a:pathLst>
-                <a:path w="1881" h="1881" extrusionOk="0">
-                  <a:moveTo>
-                    <a:pt x="1124" y="0"/>
-                  </a:moveTo>
-                  <a:lnTo>
-                    <a:pt x="977" y="25"/>
-                  </a:lnTo>
-                  <a:lnTo>
-                    <a:pt x="831" y="74"/>
-                  </a:lnTo>
-                  <a:lnTo>
-                    <a:pt x="709" y="147"/>
-                  </a:lnTo>
-                  <a:lnTo>
-                    <a:pt x="586" y="245"/>
-                  </a:lnTo>
-                  <a:lnTo>
-                    <a:pt x="464" y="391"/>
-                  </a:lnTo>
-                  <a:lnTo>
-                    <a:pt x="367" y="611"/>
-                  </a:lnTo>
-                  <a:lnTo>
-                    <a:pt x="269" y="880"/>
-                  </a:lnTo>
-                  <a:lnTo>
-                    <a:pt x="171" y="1173"/>
-                  </a:lnTo>
-                  <a:lnTo>
-                    <a:pt x="49" y="1686"/>
-                  </a:lnTo>
-                  <a:lnTo>
-                    <a:pt x="0" y="1881"/>
-                  </a:lnTo>
-                  <a:lnTo>
-                    <a:pt x="0" y="1881"/>
-                  </a:lnTo>
-                  <a:lnTo>
-                    <a:pt x="220" y="1857"/>
-                  </a:lnTo>
-                  <a:lnTo>
-                    <a:pt x="733" y="1710"/>
-                  </a:lnTo>
-                  <a:lnTo>
-                    <a:pt x="1002" y="1637"/>
-                  </a:lnTo>
-                  <a:lnTo>
-                    <a:pt x="1270" y="1539"/>
-                  </a:lnTo>
-                  <a:lnTo>
-                    <a:pt x="1515" y="1417"/>
-                  </a:lnTo>
-                  <a:lnTo>
-                    <a:pt x="1661" y="1319"/>
-                  </a:lnTo>
-                  <a:lnTo>
-                    <a:pt x="1759" y="1197"/>
-                  </a:lnTo>
-                  <a:lnTo>
-                    <a:pt x="1832" y="1051"/>
-                  </a:lnTo>
-                  <a:lnTo>
-                    <a:pt x="1881" y="928"/>
-                  </a:lnTo>
-                  <a:lnTo>
-                    <a:pt x="1881" y="782"/>
-                  </a:lnTo>
-                  <a:lnTo>
-                    <a:pt x="1881" y="635"/>
-                  </a:lnTo>
-                  <a:lnTo>
-                    <a:pt x="1832" y="489"/>
-                  </a:lnTo>
-                  <a:lnTo>
-                    <a:pt x="1759" y="367"/>
-                  </a:lnTo>
-                  <a:lnTo>
-                    <a:pt x="1661" y="245"/>
-                  </a:lnTo>
-                  <a:lnTo>
-                    <a:pt x="1539" y="147"/>
-                  </a:lnTo>
-                  <a:lnTo>
-                    <a:pt x="1417" y="74"/>
-                  </a:lnTo>
-                  <a:lnTo>
-                    <a:pt x="1270" y="25"/>
-                  </a:lnTo>
-                  <a:lnTo>
-                    <a:pt x="1124" y="0"/>
-                  </a:lnTo>
-                  <a:close/>
-                </a:path>
-              </a:pathLst>
-            </a:custGeom>
-            <a:solidFill>
-              <a:srgbClr val="FFFFFF"/>
-            </a:solidFill>
-            <a:ln w="9525" cap="flat" cmpd="sng">
-              <a:solidFill>
-                <a:srgbClr val="617A86"/>
-              </a:solidFill>
-              <a:prstDash val="dash"/>
-              <a:round/>
-              <a:headEnd type="none" w="med" len="med"/>
-              <a:tailEnd type="none" w="med" len="med"/>
-            </a:ln>
-          </p:spPr>
-          <p:txBody>
-            <a:bodyPr lIns="91425" tIns="91425" rIns="91425" bIns="91425" anchor="ctr" anchorCtr="0">
-              <a:noAutofit/>
-            </a:bodyPr>
-            <a:lstStyle/>
-            <a:p>
-              <a:pPr lvl="0">
-                <a:spcBef>
-                  <a:spcPts val="0"/>
-                </a:spcBef>
-                <a:buNone/>
-              </a:pPr>
-              <a:endParaRPr/>
-            </a:p>
-          </p:txBody>
-        </p:sp>
-        <p:sp>
-          <p:nvSpPr>
-            <p:cNvPr id="234" name="Shape 234"/>
-            <p:cNvSpPr/>
-            <p:nvPr/>
-          </p:nvSpPr>
-          <p:spPr>
-            <a:xfrm>
-              <a:off x="581250" y="4634875"/>
-              <a:ext cx="47050" cy="47050"/>
-            </a:xfrm>
-            <a:custGeom>
-              <a:avLst/>
-              <a:gdLst/>
-              <a:ahLst/>
-              <a:cxnLst/>
-              <a:rect l="0" t="0" r="0" b="0"/>
-              <a:pathLst>
-                <a:path w="1882" h="1882" extrusionOk="0">
-                  <a:moveTo>
-                    <a:pt x="953" y="1"/>
-                  </a:moveTo>
-                  <a:lnTo>
-                    <a:pt x="831" y="49"/>
-                  </a:lnTo>
-                  <a:lnTo>
-                    <a:pt x="684" y="123"/>
-                  </a:lnTo>
-                  <a:lnTo>
-                    <a:pt x="562" y="220"/>
-                  </a:lnTo>
-                  <a:lnTo>
-                    <a:pt x="465" y="367"/>
-                  </a:lnTo>
-                  <a:lnTo>
-                    <a:pt x="342" y="611"/>
-                  </a:lnTo>
-                  <a:lnTo>
-                    <a:pt x="245" y="880"/>
-                  </a:lnTo>
-                  <a:lnTo>
-                    <a:pt x="171" y="1148"/>
-                  </a:lnTo>
-                  <a:lnTo>
-                    <a:pt x="25" y="1661"/>
-                  </a:lnTo>
-                  <a:lnTo>
-                    <a:pt x="1" y="1881"/>
-                  </a:lnTo>
-                  <a:lnTo>
-                    <a:pt x="196" y="1832"/>
-                  </a:lnTo>
-                  <a:lnTo>
-                    <a:pt x="709" y="1710"/>
-                  </a:lnTo>
-                  <a:lnTo>
-                    <a:pt x="1002" y="1613"/>
-                  </a:lnTo>
-                  <a:lnTo>
-                    <a:pt x="1271" y="1515"/>
-                  </a:lnTo>
-                  <a:lnTo>
-                    <a:pt x="1490" y="1417"/>
-                  </a:lnTo>
-                  <a:lnTo>
-                    <a:pt x="1637" y="1295"/>
-                  </a:lnTo>
-                  <a:lnTo>
-                    <a:pt x="1735" y="1173"/>
-                  </a:lnTo>
-                  <a:lnTo>
-                    <a:pt x="1808" y="1051"/>
-                  </a:lnTo>
-                  <a:lnTo>
-                    <a:pt x="1857" y="904"/>
-                  </a:lnTo>
-                  <a:lnTo>
-                    <a:pt x="1881" y="758"/>
-                  </a:lnTo>
-                  <a:lnTo>
-                    <a:pt x="1857" y="611"/>
-                  </a:lnTo>
-                  <a:lnTo>
-                    <a:pt x="1808" y="465"/>
-                  </a:lnTo>
-                  <a:lnTo>
-                    <a:pt x="1735" y="343"/>
-                  </a:lnTo>
-                  <a:lnTo>
-                    <a:pt x="1637" y="220"/>
-                  </a:lnTo>
-                  <a:lnTo>
-                    <a:pt x="1515" y="123"/>
-                  </a:lnTo>
-                  <a:lnTo>
-                    <a:pt x="1393" y="49"/>
-                  </a:lnTo>
-                  <a:lnTo>
-                    <a:pt x="1246" y="1"/>
-                  </a:lnTo>
-                  <a:close/>
-                </a:path>
-              </a:pathLst>
-            </a:custGeom>
-            <a:solidFill>
-              <a:srgbClr val="FFFFFF"/>
-            </a:solidFill>
-            <a:ln w="9525" cap="flat" cmpd="sng">
-              <a:solidFill>
-                <a:srgbClr val="617A86"/>
-              </a:solidFill>
-              <a:prstDash val="dash"/>
-              <a:round/>
-              <a:headEnd type="none" w="med" len="med"/>
-              <a:tailEnd type="none" w="med" len="med"/>
-            </a:ln>
-          </p:spPr>
-          <p:txBody>
-            <a:bodyPr lIns="91425" tIns="91425" rIns="91425" bIns="91425" anchor="ctr" anchorCtr="0">
-              <a:noAutofit/>
-            </a:bodyPr>
-            <a:lstStyle/>
-            <a:p>
-              <a:pPr lvl="0">
-                <a:spcBef>
-                  <a:spcPts val="0"/>
-                </a:spcBef>
-                <a:buNone/>
-              </a:pPr>
-              <a:endParaRPr/>
-            </a:p>
-          </p:txBody>
-        </p:sp>
-      </p:grpSp>
       <p:pic>
         <p:nvPicPr>
           <p:cNvPr id="1026" name="Picture 2" descr="C:\Users\lenovo\Desktop\Icono.png"/>
@@ -8021,7 +7508,7 @@
         </p:blipFill>
         <p:spPr bwMode="auto">
           <a:xfrm>
-            <a:off x="3425864" y="1425537"/>
+            <a:off x="3425862" y="1425612"/>
             <a:ext cx="2292425" cy="2292425"/>
           </a:xfrm>
           <a:prstGeom prst="rect">
@@ -8044,12 +7531,330 @@
   <p:clrMapOvr>
     <a:masterClrMapping/>
   </p:clrMapOvr>
+  <mc:AlternateContent xmlns:mc="http://schemas.openxmlformats.org/markup-compatibility/2006">
+    <mc:Choice xmlns:p14="http://schemas.microsoft.com/office/powerpoint/2010/main" Requires="p14">
+      <p:transition spd="slow" p14:dur="800">
+        <p:circle/>
+      </p:transition>
+    </mc:Choice>
+    <mc:Fallback>
+      <p:transition spd="slow">
+        <p:circle/>
+      </p:transition>
+    </mc:Fallback>
+  </mc:AlternateContent>
   <p:timing>
     <p:tnLst>
       <p:par>
-        <p:cTn id="1" dur="indefinite" restart="never" nodeType="tmRoot"/>
+        <p:cTn id="1" dur="indefinite" restart="never" nodeType="tmRoot">
+          <p:childTnLst>
+            <p:seq concurrent="1" nextAc="seek">
+              <p:cTn id="2" dur="indefinite" nodeType="mainSeq">
+                <p:childTnLst>
+                  <p:par>
+                    <p:cTn id="3" fill="hold">
+                      <p:stCondLst>
+                        <p:cond delay="indefinite"/>
+                        <p:cond evt="onBegin" delay="0">
+                          <p:tn val="2"/>
+                        </p:cond>
+                      </p:stCondLst>
+                      <p:childTnLst>
+                        <p:par>
+                          <p:cTn id="4" fill="hold">
+                            <p:stCondLst>
+                              <p:cond delay="0"/>
+                            </p:stCondLst>
+                            <p:childTnLst>
+                              <p:par>
+                                <p:cTn id="5" presetID="10" presetClass="entr" presetSubtype="0" fill="hold" grpId="0" nodeType="withEffect">
+                                  <p:stCondLst>
+                                    <p:cond delay="0"/>
+                                  </p:stCondLst>
+                                  <p:childTnLst>
+                                    <p:set>
+                                      <p:cBhvr>
+                                        <p:cTn id="6" dur="1" fill="hold">
+                                          <p:stCondLst>
+                                            <p:cond delay="0"/>
+                                          </p:stCondLst>
+                                        </p:cTn>
+                                        <p:tgtEl>
+                                          <p:spTgt spid="227"/>
+                                        </p:tgtEl>
+                                        <p:attrNameLst>
+                                          <p:attrName>style.visibility</p:attrName>
+                                        </p:attrNameLst>
+                                      </p:cBhvr>
+                                      <p:to>
+                                        <p:strVal val="visible"/>
+                                      </p:to>
+                                    </p:set>
+                                    <p:animEffect transition="in" filter="fade">
+                                      <p:cBhvr>
+                                        <p:cTn id="7" dur="500"/>
+                                        <p:tgtEl>
+                                          <p:spTgt spid="227"/>
+                                        </p:tgtEl>
+                                      </p:cBhvr>
+                                    </p:animEffect>
+                                  </p:childTnLst>
+                                </p:cTn>
+                              </p:par>
+                            </p:childTnLst>
+                          </p:cTn>
+                        </p:par>
+                        <p:par>
+                          <p:cTn id="8" fill="hold">
+                            <p:stCondLst>
+                              <p:cond delay="500"/>
+                            </p:stCondLst>
+                            <p:childTnLst>
+                              <p:par>
+                                <p:cTn id="9" presetID="6" presetClass="entr" presetSubtype="32" fill="hold" nodeType="afterEffect">
+                                  <p:stCondLst>
+                                    <p:cond delay="0"/>
+                                  </p:stCondLst>
+                                  <p:childTnLst>
+                                    <p:set>
+                                      <p:cBhvr>
+                                        <p:cTn id="10" dur="1" fill="hold">
+                                          <p:stCondLst>
+                                            <p:cond delay="0"/>
+                                          </p:stCondLst>
+                                        </p:cTn>
+                                        <p:tgtEl>
+                                          <p:spTgt spid="1026"/>
+                                        </p:tgtEl>
+                                        <p:attrNameLst>
+                                          <p:attrName>style.visibility</p:attrName>
+                                        </p:attrNameLst>
+                                      </p:cBhvr>
+                                      <p:to>
+                                        <p:strVal val="visible"/>
+                                      </p:to>
+                                    </p:set>
+                                    <p:animEffect transition="in" filter="circle(out)">
+                                      <p:cBhvr>
+                                        <p:cTn id="11" dur="2000"/>
+                                        <p:tgtEl>
+                                          <p:spTgt spid="1026"/>
+                                        </p:tgtEl>
+                                      </p:cBhvr>
+                                    </p:animEffect>
+                                  </p:childTnLst>
+                                </p:cTn>
+                              </p:par>
+                              <p:par>
+                                <p:cTn id="12" presetID="42" presetClass="entr" presetSubtype="0" fill="hold" grpId="0" nodeType="withEffect">
+                                  <p:stCondLst>
+                                    <p:cond delay="0"/>
+                                  </p:stCondLst>
+                                  <p:childTnLst>
+                                    <p:set>
+                                      <p:cBhvr>
+                                        <p:cTn id="13" dur="1" fill="hold">
+                                          <p:stCondLst>
+                                            <p:cond delay="0"/>
+                                          </p:stCondLst>
+                                        </p:cTn>
+                                        <p:tgtEl>
+                                          <p:spTgt spid="224"/>
+                                        </p:tgtEl>
+                                        <p:attrNameLst>
+                                          <p:attrName>style.visibility</p:attrName>
+                                        </p:attrNameLst>
+                                      </p:cBhvr>
+                                      <p:to>
+                                        <p:strVal val="visible"/>
+                                      </p:to>
+                                    </p:set>
+                                    <p:animEffect transition="in" filter="fade">
+                                      <p:cBhvr>
+                                        <p:cTn id="14" dur="1000"/>
+                                        <p:tgtEl>
+                                          <p:spTgt spid="224"/>
+                                        </p:tgtEl>
+                                      </p:cBhvr>
+                                    </p:animEffect>
+                                    <p:anim calcmode="lin" valueType="num">
+                                      <p:cBhvr>
+                                        <p:cTn id="15" dur="1000" fill="hold"/>
+                                        <p:tgtEl>
+                                          <p:spTgt spid="224"/>
+                                        </p:tgtEl>
+                                        <p:attrNameLst>
+                                          <p:attrName>ppt_x</p:attrName>
+                                        </p:attrNameLst>
+                                      </p:cBhvr>
+                                      <p:tavLst>
+                                        <p:tav tm="0">
+                                          <p:val>
+                                            <p:strVal val="#ppt_x"/>
+                                          </p:val>
+                                        </p:tav>
+                                        <p:tav tm="100000">
+                                          <p:val>
+                                            <p:strVal val="#ppt_x"/>
+                                          </p:val>
+                                        </p:tav>
+                                      </p:tavLst>
+                                    </p:anim>
+                                    <p:anim calcmode="lin" valueType="num">
+                                      <p:cBhvr>
+                                        <p:cTn id="16" dur="1000" fill="hold"/>
+                                        <p:tgtEl>
+                                          <p:spTgt spid="224"/>
+                                        </p:tgtEl>
+                                        <p:attrNameLst>
+                                          <p:attrName>ppt_y</p:attrName>
+                                        </p:attrNameLst>
+                                      </p:cBhvr>
+                                      <p:tavLst>
+                                        <p:tav tm="0">
+                                          <p:val>
+                                            <p:strVal val="#ppt_y+.1"/>
+                                          </p:val>
+                                        </p:tav>
+                                        <p:tav tm="100000">
+                                          <p:val>
+                                            <p:strVal val="#ppt_y"/>
+                                          </p:val>
+                                        </p:tav>
+                                      </p:tavLst>
+                                    </p:anim>
+                                  </p:childTnLst>
+                                </p:cTn>
+                              </p:par>
+                              <p:par>
+                                <p:cTn id="17" presetID="42" presetClass="entr" presetSubtype="0" fill="hold" grpId="1" nodeType="withEffect">
+                                  <p:stCondLst>
+                                    <p:cond delay="0"/>
+                                  </p:stCondLst>
+                                  <p:childTnLst>
+                                    <p:set>
+                                      <p:cBhvr>
+                                        <p:cTn id="18" dur="1" fill="hold">
+                                          <p:stCondLst>
+                                            <p:cond delay="0"/>
+                                          </p:stCondLst>
+                                        </p:cTn>
+                                        <p:tgtEl>
+                                          <p:spTgt spid="225">
+                                            <p:txEl>
+                                              <p:pRg st="0" end="0"/>
+                                            </p:txEl>
+                                          </p:spTgt>
+                                        </p:tgtEl>
+                                        <p:attrNameLst>
+                                          <p:attrName>style.visibility</p:attrName>
+                                        </p:attrNameLst>
+                                      </p:cBhvr>
+                                      <p:to>
+                                        <p:strVal val="visible"/>
+                                      </p:to>
+                                    </p:set>
+                                    <p:animEffect transition="in" filter="fade">
+                                      <p:cBhvr>
+                                        <p:cTn id="19" dur="1000"/>
+                                        <p:tgtEl>
+                                          <p:spTgt spid="225">
+                                            <p:txEl>
+                                              <p:pRg st="0" end="0"/>
+                                            </p:txEl>
+                                          </p:spTgt>
+                                        </p:tgtEl>
+                                      </p:cBhvr>
+                                    </p:animEffect>
+                                    <p:anim calcmode="lin" valueType="num">
+                                      <p:cBhvr>
+                                        <p:cTn id="20" dur="1000" fill="hold"/>
+                                        <p:tgtEl>
+                                          <p:spTgt spid="225">
+                                            <p:txEl>
+                                              <p:pRg st="0" end="0"/>
+                                            </p:txEl>
+                                          </p:spTgt>
+                                        </p:tgtEl>
+                                        <p:attrNameLst>
+                                          <p:attrName>ppt_x</p:attrName>
+                                        </p:attrNameLst>
+                                      </p:cBhvr>
+                                      <p:tavLst>
+                                        <p:tav tm="0">
+                                          <p:val>
+                                            <p:strVal val="#ppt_x"/>
+                                          </p:val>
+                                        </p:tav>
+                                        <p:tav tm="100000">
+                                          <p:val>
+                                            <p:strVal val="#ppt_x"/>
+                                          </p:val>
+                                        </p:tav>
+                                      </p:tavLst>
+                                    </p:anim>
+                                    <p:anim calcmode="lin" valueType="num">
+                                      <p:cBhvr>
+                                        <p:cTn id="21" dur="1000" fill="hold"/>
+                                        <p:tgtEl>
+                                          <p:spTgt spid="225">
+                                            <p:txEl>
+                                              <p:pRg st="0" end="0"/>
+                                            </p:txEl>
+                                          </p:spTgt>
+                                        </p:tgtEl>
+                                        <p:attrNameLst>
+                                          <p:attrName>ppt_y</p:attrName>
+                                        </p:attrNameLst>
+                                      </p:cBhvr>
+                                      <p:tavLst>
+                                        <p:tav tm="0">
+                                          <p:val>
+                                            <p:strVal val="#ppt_y+.1"/>
+                                          </p:val>
+                                        </p:tav>
+                                        <p:tav tm="100000">
+                                          <p:val>
+                                            <p:strVal val="#ppt_y"/>
+                                          </p:val>
+                                        </p:tav>
+                                      </p:tavLst>
+                                    </p:anim>
+                                  </p:childTnLst>
+                                </p:cTn>
+                              </p:par>
+                            </p:childTnLst>
+                          </p:cTn>
+                        </p:par>
+                      </p:childTnLst>
+                    </p:cTn>
+                  </p:par>
+                </p:childTnLst>
+              </p:cTn>
+              <p:prevCondLst>
+                <p:cond evt="onPrev" delay="0">
+                  <p:tgtEl>
+                    <p:sldTgt/>
+                  </p:tgtEl>
+                </p:cond>
+              </p:prevCondLst>
+              <p:nextCondLst>
+                <p:cond evt="onNext" delay="0">
+                  <p:tgtEl>
+                    <p:sldTgt/>
+                  </p:tgtEl>
+                </p:cond>
+              </p:nextCondLst>
+            </p:seq>
+          </p:childTnLst>
+        </p:cTn>
       </p:par>
     </p:tnLst>
+    <p:bldLst>
+      <p:bldP spid="224" grpId="0"/>
+      <p:bldP spid="225" grpId="1" build="p"/>
+      <p:bldP spid="227" grpId="0" animBg="1"/>
+    </p:bldLst>
   </p:timing>
 </p:sld>
 </file>
@@ -8168,12 +7973,847 @@
   <p:clrMapOvr>
     <a:masterClrMapping/>
   </p:clrMapOvr>
+  <mc:AlternateContent xmlns:mc="http://schemas.openxmlformats.org/markup-compatibility/2006">
+    <mc:Choice xmlns:p14="http://schemas.microsoft.com/office/powerpoint/2010/main" Requires="p14">
+      <p:transition spd="slow" p14:dur="1400">
+        <p14:ripple/>
+      </p:transition>
+    </mc:Choice>
+    <mc:Fallback>
+      <p:transition spd="slow">
+        <p:fade/>
+      </p:transition>
+    </mc:Fallback>
+  </mc:AlternateContent>
   <p:timing>
     <p:tnLst>
       <p:par>
-        <p:cTn id="1" dur="indefinite" restart="never" nodeType="tmRoot"/>
+        <p:cTn id="1" dur="indefinite" restart="never" nodeType="tmRoot">
+          <p:childTnLst>
+            <p:seq concurrent="1" nextAc="seek">
+              <p:cTn id="2" dur="indefinite" nodeType="mainSeq">
+                <p:childTnLst>
+                  <p:par>
+                    <p:cTn id="3" fill="hold">
+                      <p:stCondLst>
+                        <p:cond delay="indefinite"/>
+                        <p:cond evt="onBegin" delay="0">
+                          <p:tn val="2"/>
+                        </p:cond>
+                      </p:stCondLst>
+                      <p:childTnLst>
+                        <p:par>
+                          <p:cTn id="4" fill="hold">
+                            <p:stCondLst>
+                              <p:cond delay="0"/>
+                            </p:stCondLst>
+                            <p:childTnLst>
+                              <p:par>
+                                <p:cTn id="5" presetID="53" presetClass="entr" presetSubtype="16" fill="hold" grpId="1" nodeType="afterEffect">
+                                  <p:stCondLst>
+                                    <p:cond delay="0"/>
+                                  </p:stCondLst>
+                                  <p:childTnLst>
+                                    <p:set>
+                                      <p:cBhvr>
+                                        <p:cTn id="6" dur="1" fill="hold">
+                                          <p:stCondLst>
+                                            <p:cond delay="0"/>
+                                          </p:stCondLst>
+                                        </p:cTn>
+                                        <p:tgtEl>
+                                          <p:spTgt spid="218"/>
+                                        </p:tgtEl>
+                                        <p:attrNameLst>
+                                          <p:attrName>style.visibility</p:attrName>
+                                        </p:attrNameLst>
+                                      </p:cBhvr>
+                                      <p:to>
+                                        <p:strVal val="visible"/>
+                                      </p:to>
+                                    </p:set>
+                                    <p:anim calcmode="lin" valueType="num">
+                                      <p:cBhvr>
+                                        <p:cTn id="7" dur="500" fill="hold"/>
+                                        <p:tgtEl>
+                                          <p:spTgt spid="218"/>
+                                        </p:tgtEl>
+                                        <p:attrNameLst>
+                                          <p:attrName>ppt_w</p:attrName>
+                                        </p:attrNameLst>
+                                      </p:cBhvr>
+                                      <p:tavLst>
+                                        <p:tav tm="0">
+                                          <p:val>
+                                            <p:fltVal val="0"/>
+                                          </p:val>
+                                        </p:tav>
+                                        <p:tav tm="100000">
+                                          <p:val>
+                                            <p:strVal val="#ppt_w"/>
+                                          </p:val>
+                                        </p:tav>
+                                      </p:tavLst>
+                                    </p:anim>
+                                    <p:anim calcmode="lin" valueType="num">
+                                      <p:cBhvr>
+                                        <p:cTn id="8" dur="500" fill="hold"/>
+                                        <p:tgtEl>
+                                          <p:spTgt spid="218"/>
+                                        </p:tgtEl>
+                                        <p:attrNameLst>
+                                          <p:attrName>ppt_h</p:attrName>
+                                        </p:attrNameLst>
+                                      </p:cBhvr>
+                                      <p:tavLst>
+                                        <p:tav tm="0">
+                                          <p:val>
+                                            <p:fltVal val="0"/>
+                                          </p:val>
+                                        </p:tav>
+                                        <p:tav tm="100000">
+                                          <p:val>
+                                            <p:strVal val="#ppt_h"/>
+                                          </p:val>
+                                        </p:tav>
+                                      </p:tavLst>
+                                    </p:anim>
+                                    <p:animEffect transition="in" filter="fade">
+                                      <p:cBhvr>
+                                        <p:cTn id="9" dur="500"/>
+                                        <p:tgtEl>
+                                          <p:spTgt spid="218"/>
+                                        </p:tgtEl>
+                                      </p:cBhvr>
+                                    </p:animEffect>
+                                  </p:childTnLst>
+                                </p:cTn>
+                              </p:par>
+                            </p:childTnLst>
+                          </p:cTn>
+                        </p:par>
+                        <p:par>
+                          <p:cTn id="10" fill="hold">
+                            <p:stCondLst>
+                              <p:cond delay="500"/>
+                            </p:stCondLst>
+                            <p:childTnLst>
+                              <p:par>
+                                <p:cTn id="11" presetID="26" presetClass="entr" presetSubtype="0" fill="hold" grpId="0" nodeType="afterEffect">
+                                  <p:stCondLst>
+                                    <p:cond delay="0"/>
+                                  </p:stCondLst>
+                                  <p:childTnLst>
+                                    <p:set>
+                                      <p:cBhvr>
+                                        <p:cTn id="12" dur="1" fill="hold">
+                                          <p:stCondLst>
+                                            <p:cond delay="0"/>
+                                          </p:stCondLst>
+                                        </p:cTn>
+                                        <p:tgtEl>
+                                          <p:spTgt spid="219">
+                                            <p:txEl>
+                                              <p:pRg st="0" end="0"/>
+                                            </p:txEl>
+                                          </p:spTgt>
+                                        </p:tgtEl>
+                                        <p:attrNameLst>
+                                          <p:attrName>style.visibility</p:attrName>
+                                        </p:attrNameLst>
+                                      </p:cBhvr>
+                                      <p:to>
+                                        <p:strVal val="visible"/>
+                                      </p:to>
+                                    </p:set>
+                                    <p:animEffect transition="in" filter="wipe(down)">
+                                      <p:cBhvr>
+                                        <p:cTn id="13" dur="362">
+                                          <p:stCondLst>
+                                            <p:cond delay="0"/>
+                                          </p:stCondLst>
+                                        </p:cTn>
+                                        <p:tgtEl>
+                                          <p:spTgt spid="219">
+                                            <p:txEl>
+                                              <p:pRg st="0" end="0"/>
+                                            </p:txEl>
+                                          </p:spTgt>
+                                        </p:tgtEl>
+                                      </p:cBhvr>
+                                    </p:animEffect>
+                                    <p:anim calcmode="lin" valueType="num">
+                                      <p:cBhvr>
+                                        <p:cTn id="14" dur="1139" tmFilter="0,0; 0.14,0.36; 0.43,0.73; 0.71,0.91; 1.0,1.0">
+                                          <p:stCondLst>
+                                            <p:cond delay="0"/>
+                                          </p:stCondLst>
+                                        </p:cTn>
+                                        <p:tgtEl>
+                                          <p:spTgt spid="219">
+                                            <p:txEl>
+                                              <p:pRg st="0" end="0"/>
+                                            </p:txEl>
+                                          </p:spTgt>
+                                        </p:tgtEl>
+                                        <p:attrNameLst>
+                                          <p:attrName>ppt_x</p:attrName>
+                                        </p:attrNameLst>
+                                      </p:cBhvr>
+                                      <p:tavLst>
+                                        <p:tav tm="0">
+                                          <p:val>
+                                            <p:strVal val="#ppt_x-0.25"/>
+                                          </p:val>
+                                        </p:tav>
+                                        <p:tav tm="100000">
+                                          <p:val>
+                                            <p:strVal val="#ppt_x"/>
+                                          </p:val>
+                                        </p:tav>
+                                      </p:tavLst>
+                                    </p:anim>
+                                    <p:anim calcmode="lin" valueType="num">
+                                      <p:cBhvr>
+                                        <p:cTn id="15" dur="415" tmFilter="0.0,0.0; 0.25,0.07; 0.50,0.2; 0.75,0.467; 1.0,1.0">
+                                          <p:stCondLst>
+                                            <p:cond delay="0"/>
+                                          </p:stCondLst>
+                                        </p:cTn>
+                                        <p:tgtEl>
+                                          <p:spTgt spid="219">
+                                            <p:txEl>
+                                              <p:pRg st="0" end="0"/>
+                                            </p:txEl>
+                                          </p:spTgt>
+                                        </p:tgtEl>
+                                        <p:attrNameLst>
+                                          <p:attrName>ppt_y</p:attrName>
+                                        </p:attrNameLst>
+                                      </p:cBhvr>
+                                      <p:tavLst>
+                                        <p:tav tm="0" fmla="#ppt_y-sin(pi*$)/3">
+                                          <p:val>
+                                            <p:fltVal val="0.5"/>
+                                          </p:val>
+                                        </p:tav>
+                                        <p:tav tm="100000">
+                                          <p:val>
+                                            <p:fltVal val="1"/>
+                                          </p:val>
+                                        </p:tav>
+                                      </p:tavLst>
+                                    </p:anim>
+                                    <p:anim calcmode="lin" valueType="num">
+                                      <p:cBhvr>
+                                        <p:cTn id="16" dur="415" tmFilter="0, 0; 0.125,0.2665; 0.25,0.4; 0.375,0.465; 0.5,0.5;  0.625,0.535; 0.75,0.6; 0.875,0.7335; 1,1">
+                                          <p:stCondLst>
+                                            <p:cond delay="415"/>
+                                          </p:stCondLst>
+                                        </p:cTn>
+                                        <p:tgtEl>
+                                          <p:spTgt spid="219">
+                                            <p:txEl>
+                                              <p:pRg st="0" end="0"/>
+                                            </p:txEl>
+                                          </p:spTgt>
+                                        </p:tgtEl>
+                                        <p:attrNameLst>
+                                          <p:attrName>ppt_y</p:attrName>
+                                        </p:attrNameLst>
+                                      </p:cBhvr>
+                                      <p:tavLst>
+                                        <p:tav tm="0" fmla="#ppt_y-sin(pi*$)/9">
+                                          <p:val>
+                                            <p:fltVal val="0"/>
+                                          </p:val>
+                                        </p:tav>
+                                        <p:tav tm="100000">
+                                          <p:val>
+                                            <p:fltVal val="1"/>
+                                          </p:val>
+                                        </p:tav>
+                                      </p:tavLst>
+                                    </p:anim>
+                                    <p:anim calcmode="lin" valueType="num">
+                                      <p:cBhvr>
+                                        <p:cTn id="17" dur="207" tmFilter="0, 0; 0.125,0.2665; 0.25,0.4; 0.375,0.465; 0.5,0.5;  0.625,0.535; 0.75,0.6; 0.875,0.7335; 1,1">
+                                          <p:stCondLst>
+                                            <p:cond delay="828"/>
+                                          </p:stCondLst>
+                                        </p:cTn>
+                                        <p:tgtEl>
+                                          <p:spTgt spid="219">
+                                            <p:txEl>
+                                              <p:pRg st="0" end="0"/>
+                                            </p:txEl>
+                                          </p:spTgt>
+                                        </p:tgtEl>
+                                        <p:attrNameLst>
+                                          <p:attrName>ppt_y</p:attrName>
+                                        </p:attrNameLst>
+                                      </p:cBhvr>
+                                      <p:tavLst>
+                                        <p:tav tm="0" fmla="#ppt_y-sin(pi*$)/27">
+                                          <p:val>
+                                            <p:fltVal val="0"/>
+                                          </p:val>
+                                        </p:tav>
+                                        <p:tav tm="100000">
+                                          <p:val>
+                                            <p:fltVal val="1"/>
+                                          </p:val>
+                                        </p:tav>
+                                      </p:tavLst>
+                                    </p:anim>
+                                    <p:anim calcmode="lin" valueType="num">
+                                      <p:cBhvr>
+                                        <p:cTn id="18" dur="103" tmFilter="0, 0; 0.125,0.2665; 0.25,0.4; 0.375,0.465; 0.5,0.5;  0.625,0.535; 0.75,0.6; 0.875,0.7335; 1,1">
+                                          <p:stCondLst>
+                                            <p:cond delay="1035"/>
+                                          </p:stCondLst>
+                                        </p:cTn>
+                                        <p:tgtEl>
+                                          <p:spTgt spid="219">
+                                            <p:txEl>
+                                              <p:pRg st="0" end="0"/>
+                                            </p:txEl>
+                                          </p:spTgt>
+                                        </p:tgtEl>
+                                        <p:attrNameLst>
+                                          <p:attrName>ppt_y</p:attrName>
+                                        </p:attrNameLst>
+                                      </p:cBhvr>
+                                      <p:tavLst>
+                                        <p:tav tm="0" fmla="#ppt_y-sin(pi*$)/81">
+                                          <p:val>
+                                            <p:fltVal val="0"/>
+                                          </p:val>
+                                        </p:tav>
+                                        <p:tav tm="100000">
+                                          <p:val>
+                                            <p:fltVal val="1"/>
+                                          </p:val>
+                                        </p:tav>
+                                      </p:tavLst>
+                                    </p:anim>
+                                    <p:animScale>
+                                      <p:cBhvr>
+                                        <p:cTn id="19" dur="16">
+                                          <p:stCondLst>
+                                            <p:cond delay="406"/>
+                                          </p:stCondLst>
+                                        </p:cTn>
+                                        <p:tgtEl>
+                                          <p:spTgt spid="219">
+                                            <p:txEl>
+                                              <p:pRg st="0" end="0"/>
+                                            </p:txEl>
+                                          </p:spTgt>
+                                        </p:tgtEl>
+                                      </p:cBhvr>
+                                      <p:to x="100000" y="60000"/>
+                                    </p:animScale>
+                                    <p:animScale>
+                                      <p:cBhvr>
+                                        <p:cTn id="20" dur="104" decel="50000">
+                                          <p:stCondLst>
+                                            <p:cond delay="423"/>
+                                          </p:stCondLst>
+                                        </p:cTn>
+                                        <p:tgtEl>
+                                          <p:spTgt spid="219">
+                                            <p:txEl>
+                                              <p:pRg st="0" end="0"/>
+                                            </p:txEl>
+                                          </p:spTgt>
+                                        </p:tgtEl>
+                                      </p:cBhvr>
+                                      <p:to x="100000" y="100000"/>
+                                    </p:animScale>
+                                    <p:animScale>
+                                      <p:cBhvr>
+                                        <p:cTn id="21" dur="16">
+                                          <p:stCondLst>
+                                            <p:cond delay="820"/>
+                                          </p:stCondLst>
+                                        </p:cTn>
+                                        <p:tgtEl>
+                                          <p:spTgt spid="219">
+                                            <p:txEl>
+                                              <p:pRg st="0" end="0"/>
+                                            </p:txEl>
+                                          </p:spTgt>
+                                        </p:tgtEl>
+                                      </p:cBhvr>
+                                      <p:to x="100000" y="80000"/>
+                                    </p:animScale>
+                                    <p:animScale>
+                                      <p:cBhvr>
+                                        <p:cTn id="22" dur="104" decel="50000">
+                                          <p:stCondLst>
+                                            <p:cond delay="836"/>
+                                          </p:stCondLst>
+                                        </p:cTn>
+                                        <p:tgtEl>
+                                          <p:spTgt spid="219">
+                                            <p:txEl>
+                                              <p:pRg st="0" end="0"/>
+                                            </p:txEl>
+                                          </p:spTgt>
+                                        </p:tgtEl>
+                                      </p:cBhvr>
+                                      <p:to x="100000" y="100000"/>
+                                    </p:animScale>
+                                    <p:animScale>
+                                      <p:cBhvr>
+                                        <p:cTn id="23" dur="16">
+                                          <p:stCondLst>
+                                            <p:cond delay="1026"/>
+                                          </p:stCondLst>
+                                        </p:cTn>
+                                        <p:tgtEl>
+                                          <p:spTgt spid="219">
+                                            <p:txEl>
+                                              <p:pRg st="0" end="0"/>
+                                            </p:txEl>
+                                          </p:spTgt>
+                                        </p:tgtEl>
+                                      </p:cBhvr>
+                                      <p:to x="100000" y="90000"/>
+                                    </p:animScale>
+                                    <p:animScale>
+                                      <p:cBhvr>
+                                        <p:cTn id="24" dur="104" decel="50000">
+                                          <p:stCondLst>
+                                            <p:cond delay="1042"/>
+                                          </p:stCondLst>
+                                        </p:cTn>
+                                        <p:tgtEl>
+                                          <p:spTgt spid="219">
+                                            <p:txEl>
+                                              <p:pRg st="0" end="0"/>
+                                            </p:txEl>
+                                          </p:spTgt>
+                                        </p:tgtEl>
+                                      </p:cBhvr>
+                                      <p:to x="100000" y="100000"/>
+                                    </p:animScale>
+                                    <p:animScale>
+                                      <p:cBhvr>
+                                        <p:cTn id="25" dur="16">
+                                          <p:stCondLst>
+                                            <p:cond delay="1130"/>
+                                          </p:stCondLst>
+                                        </p:cTn>
+                                        <p:tgtEl>
+                                          <p:spTgt spid="219">
+                                            <p:txEl>
+                                              <p:pRg st="0" end="0"/>
+                                            </p:txEl>
+                                          </p:spTgt>
+                                        </p:tgtEl>
+                                      </p:cBhvr>
+                                      <p:to x="100000" y="95000"/>
+                                    </p:animScale>
+                                    <p:animScale>
+                                      <p:cBhvr>
+                                        <p:cTn id="26" dur="104" decel="50000">
+                                          <p:stCondLst>
+                                            <p:cond delay="1146"/>
+                                          </p:stCondLst>
+                                        </p:cTn>
+                                        <p:tgtEl>
+                                          <p:spTgt spid="219">
+                                            <p:txEl>
+                                              <p:pRg st="0" end="0"/>
+                                            </p:txEl>
+                                          </p:spTgt>
+                                        </p:tgtEl>
+                                      </p:cBhvr>
+                                      <p:to x="100000" y="100000"/>
+                                    </p:animScale>
+                                  </p:childTnLst>
+                                </p:cTn>
+                              </p:par>
+                            </p:childTnLst>
+                          </p:cTn>
+                        </p:par>
+                        <p:par>
+                          <p:cTn id="27" fill="hold">
+                            <p:stCondLst>
+                              <p:cond delay="1750"/>
+                            </p:stCondLst>
+                            <p:childTnLst>
+                              <p:par>
+                                <p:cTn id="28" presetID="26" presetClass="entr" presetSubtype="0" fill="hold" grpId="0" nodeType="afterEffect">
+                                  <p:stCondLst>
+                                    <p:cond delay="0"/>
+                                  </p:stCondLst>
+                                  <p:childTnLst>
+                                    <p:set>
+                                      <p:cBhvr>
+                                        <p:cTn id="29" dur="1" fill="hold">
+                                          <p:stCondLst>
+                                            <p:cond delay="0"/>
+                                          </p:stCondLst>
+                                        </p:cTn>
+                                        <p:tgtEl>
+                                          <p:spTgt spid="219">
+                                            <p:txEl>
+                                              <p:pRg st="2" end="2"/>
+                                            </p:txEl>
+                                          </p:spTgt>
+                                        </p:tgtEl>
+                                        <p:attrNameLst>
+                                          <p:attrName>style.visibility</p:attrName>
+                                        </p:attrNameLst>
+                                      </p:cBhvr>
+                                      <p:to>
+                                        <p:strVal val="visible"/>
+                                      </p:to>
+                                    </p:set>
+                                    <p:animEffect transition="in" filter="wipe(down)">
+                                      <p:cBhvr>
+                                        <p:cTn id="30" dur="362">
+                                          <p:stCondLst>
+                                            <p:cond delay="0"/>
+                                          </p:stCondLst>
+                                        </p:cTn>
+                                        <p:tgtEl>
+                                          <p:spTgt spid="219">
+                                            <p:txEl>
+                                              <p:pRg st="2" end="2"/>
+                                            </p:txEl>
+                                          </p:spTgt>
+                                        </p:tgtEl>
+                                      </p:cBhvr>
+                                    </p:animEffect>
+                                    <p:anim calcmode="lin" valueType="num">
+                                      <p:cBhvr>
+                                        <p:cTn id="31" dur="1139" tmFilter="0,0; 0.14,0.36; 0.43,0.73; 0.71,0.91; 1.0,1.0">
+                                          <p:stCondLst>
+                                            <p:cond delay="0"/>
+                                          </p:stCondLst>
+                                        </p:cTn>
+                                        <p:tgtEl>
+                                          <p:spTgt spid="219">
+                                            <p:txEl>
+                                              <p:pRg st="2" end="2"/>
+                                            </p:txEl>
+                                          </p:spTgt>
+                                        </p:tgtEl>
+                                        <p:attrNameLst>
+                                          <p:attrName>ppt_x</p:attrName>
+                                        </p:attrNameLst>
+                                      </p:cBhvr>
+                                      <p:tavLst>
+                                        <p:tav tm="0">
+                                          <p:val>
+                                            <p:strVal val="#ppt_x-0.25"/>
+                                          </p:val>
+                                        </p:tav>
+                                        <p:tav tm="100000">
+                                          <p:val>
+                                            <p:strVal val="#ppt_x"/>
+                                          </p:val>
+                                        </p:tav>
+                                      </p:tavLst>
+                                    </p:anim>
+                                    <p:anim calcmode="lin" valueType="num">
+                                      <p:cBhvr>
+                                        <p:cTn id="32" dur="415" tmFilter="0.0,0.0; 0.25,0.07; 0.50,0.2; 0.75,0.467; 1.0,1.0">
+                                          <p:stCondLst>
+                                            <p:cond delay="0"/>
+                                          </p:stCondLst>
+                                        </p:cTn>
+                                        <p:tgtEl>
+                                          <p:spTgt spid="219">
+                                            <p:txEl>
+                                              <p:pRg st="2" end="2"/>
+                                            </p:txEl>
+                                          </p:spTgt>
+                                        </p:tgtEl>
+                                        <p:attrNameLst>
+                                          <p:attrName>ppt_y</p:attrName>
+                                        </p:attrNameLst>
+                                      </p:cBhvr>
+                                      <p:tavLst>
+                                        <p:tav tm="0" fmla="#ppt_y-sin(pi*$)/3">
+                                          <p:val>
+                                            <p:fltVal val="0.5"/>
+                                          </p:val>
+                                        </p:tav>
+                                        <p:tav tm="100000">
+                                          <p:val>
+                                            <p:fltVal val="1"/>
+                                          </p:val>
+                                        </p:tav>
+                                      </p:tavLst>
+                                    </p:anim>
+                                    <p:anim calcmode="lin" valueType="num">
+                                      <p:cBhvr>
+                                        <p:cTn id="33" dur="415" tmFilter="0, 0; 0.125,0.2665; 0.25,0.4; 0.375,0.465; 0.5,0.5;  0.625,0.535; 0.75,0.6; 0.875,0.7335; 1,1">
+                                          <p:stCondLst>
+                                            <p:cond delay="415"/>
+                                          </p:stCondLst>
+                                        </p:cTn>
+                                        <p:tgtEl>
+                                          <p:spTgt spid="219">
+                                            <p:txEl>
+                                              <p:pRg st="2" end="2"/>
+                                            </p:txEl>
+                                          </p:spTgt>
+                                        </p:tgtEl>
+                                        <p:attrNameLst>
+                                          <p:attrName>ppt_y</p:attrName>
+                                        </p:attrNameLst>
+                                      </p:cBhvr>
+                                      <p:tavLst>
+                                        <p:tav tm="0" fmla="#ppt_y-sin(pi*$)/9">
+                                          <p:val>
+                                            <p:fltVal val="0"/>
+                                          </p:val>
+                                        </p:tav>
+                                        <p:tav tm="100000">
+                                          <p:val>
+                                            <p:fltVal val="1"/>
+                                          </p:val>
+                                        </p:tav>
+                                      </p:tavLst>
+                                    </p:anim>
+                                    <p:anim calcmode="lin" valueType="num">
+                                      <p:cBhvr>
+                                        <p:cTn id="34" dur="207" tmFilter="0, 0; 0.125,0.2665; 0.25,0.4; 0.375,0.465; 0.5,0.5;  0.625,0.535; 0.75,0.6; 0.875,0.7335; 1,1">
+                                          <p:stCondLst>
+                                            <p:cond delay="828"/>
+                                          </p:stCondLst>
+                                        </p:cTn>
+                                        <p:tgtEl>
+                                          <p:spTgt spid="219">
+                                            <p:txEl>
+                                              <p:pRg st="2" end="2"/>
+                                            </p:txEl>
+                                          </p:spTgt>
+                                        </p:tgtEl>
+                                        <p:attrNameLst>
+                                          <p:attrName>ppt_y</p:attrName>
+                                        </p:attrNameLst>
+                                      </p:cBhvr>
+                                      <p:tavLst>
+                                        <p:tav tm="0" fmla="#ppt_y-sin(pi*$)/27">
+                                          <p:val>
+                                            <p:fltVal val="0"/>
+                                          </p:val>
+                                        </p:tav>
+                                        <p:tav tm="100000">
+                                          <p:val>
+                                            <p:fltVal val="1"/>
+                                          </p:val>
+                                        </p:tav>
+                                      </p:tavLst>
+                                    </p:anim>
+                                    <p:anim calcmode="lin" valueType="num">
+                                      <p:cBhvr>
+                                        <p:cTn id="35" dur="103" tmFilter="0, 0; 0.125,0.2665; 0.25,0.4; 0.375,0.465; 0.5,0.5;  0.625,0.535; 0.75,0.6; 0.875,0.7335; 1,1">
+                                          <p:stCondLst>
+                                            <p:cond delay="1035"/>
+                                          </p:stCondLst>
+                                        </p:cTn>
+                                        <p:tgtEl>
+                                          <p:spTgt spid="219">
+                                            <p:txEl>
+                                              <p:pRg st="2" end="2"/>
+                                            </p:txEl>
+                                          </p:spTgt>
+                                        </p:tgtEl>
+                                        <p:attrNameLst>
+                                          <p:attrName>ppt_y</p:attrName>
+                                        </p:attrNameLst>
+                                      </p:cBhvr>
+                                      <p:tavLst>
+                                        <p:tav tm="0" fmla="#ppt_y-sin(pi*$)/81">
+                                          <p:val>
+                                            <p:fltVal val="0"/>
+                                          </p:val>
+                                        </p:tav>
+                                        <p:tav tm="100000">
+                                          <p:val>
+                                            <p:fltVal val="1"/>
+                                          </p:val>
+                                        </p:tav>
+                                      </p:tavLst>
+                                    </p:anim>
+                                    <p:animScale>
+                                      <p:cBhvr>
+                                        <p:cTn id="36" dur="16">
+                                          <p:stCondLst>
+                                            <p:cond delay="406"/>
+                                          </p:stCondLst>
+                                        </p:cTn>
+                                        <p:tgtEl>
+                                          <p:spTgt spid="219">
+                                            <p:txEl>
+                                              <p:pRg st="2" end="2"/>
+                                            </p:txEl>
+                                          </p:spTgt>
+                                        </p:tgtEl>
+                                      </p:cBhvr>
+                                      <p:to x="100000" y="60000"/>
+                                    </p:animScale>
+                                    <p:animScale>
+                                      <p:cBhvr>
+                                        <p:cTn id="37" dur="104" decel="50000">
+                                          <p:stCondLst>
+                                            <p:cond delay="423"/>
+                                          </p:stCondLst>
+                                        </p:cTn>
+                                        <p:tgtEl>
+                                          <p:spTgt spid="219">
+                                            <p:txEl>
+                                              <p:pRg st="2" end="2"/>
+                                            </p:txEl>
+                                          </p:spTgt>
+                                        </p:tgtEl>
+                                      </p:cBhvr>
+                                      <p:to x="100000" y="100000"/>
+                                    </p:animScale>
+                                    <p:animScale>
+                                      <p:cBhvr>
+                                        <p:cTn id="38" dur="16">
+                                          <p:stCondLst>
+                                            <p:cond delay="820"/>
+                                          </p:stCondLst>
+                                        </p:cTn>
+                                        <p:tgtEl>
+                                          <p:spTgt spid="219">
+                                            <p:txEl>
+                                              <p:pRg st="2" end="2"/>
+                                            </p:txEl>
+                                          </p:spTgt>
+                                        </p:tgtEl>
+                                      </p:cBhvr>
+                                      <p:to x="100000" y="80000"/>
+                                    </p:animScale>
+                                    <p:animScale>
+                                      <p:cBhvr>
+                                        <p:cTn id="39" dur="104" decel="50000">
+                                          <p:stCondLst>
+                                            <p:cond delay="836"/>
+                                          </p:stCondLst>
+                                        </p:cTn>
+                                        <p:tgtEl>
+                                          <p:spTgt spid="219">
+                                            <p:txEl>
+                                              <p:pRg st="2" end="2"/>
+                                            </p:txEl>
+                                          </p:spTgt>
+                                        </p:tgtEl>
+                                      </p:cBhvr>
+                                      <p:to x="100000" y="100000"/>
+                                    </p:animScale>
+                                    <p:animScale>
+                                      <p:cBhvr>
+                                        <p:cTn id="40" dur="16">
+                                          <p:stCondLst>
+                                            <p:cond delay="1026"/>
+                                          </p:stCondLst>
+                                        </p:cTn>
+                                        <p:tgtEl>
+                                          <p:spTgt spid="219">
+                                            <p:txEl>
+                                              <p:pRg st="2" end="2"/>
+                                            </p:txEl>
+                                          </p:spTgt>
+                                        </p:tgtEl>
+                                      </p:cBhvr>
+                                      <p:to x="100000" y="90000"/>
+                                    </p:animScale>
+                                    <p:animScale>
+                                      <p:cBhvr>
+                                        <p:cTn id="41" dur="104" decel="50000">
+                                          <p:stCondLst>
+                                            <p:cond delay="1042"/>
+                                          </p:stCondLst>
+                                        </p:cTn>
+                                        <p:tgtEl>
+                                          <p:spTgt spid="219">
+                                            <p:txEl>
+                                              <p:pRg st="2" end="2"/>
+                                            </p:txEl>
+                                          </p:spTgt>
+                                        </p:tgtEl>
+                                      </p:cBhvr>
+                                      <p:to x="100000" y="100000"/>
+                                    </p:animScale>
+                                    <p:animScale>
+                                      <p:cBhvr>
+                                        <p:cTn id="42" dur="16">
+                                          <p:stCondLst>
+                                            <p:cond delay="1130"/>
+                                          </p:stCondLst>
+                                        </p:cTn>
+                                        <p:tgtEl>
+                                          <p:spTgt spid="219">
+                                            <p:txEl>
+                                              <p:pRg st="2" end="2"/>
+                                            </p:txEl>
+                                          </p:spTgt>
+                                        </p:tgtEl>
+                                      </p:cBhvr>
+                                      <p:to x="100000" y="95000"/>
+                                    </p:animScale>
+                                    <p:animScale>
+                                      <p:cBhvr>
+                                        <p:cTn id="43" dur="104" decel="50000">
+                                          <p:stCondLst>
+                                            <p:cond delay="1146"/>
+                                          </p:stCondLst>
+                                        </p:cTn>
+                                        <p:tgtEl>
+                                          <p:spTgt spid="219">
+                                            <p:txEl>
+                                              <p:pRg st="2" end="2"/>
+                                            </p:txEl>
+                                          </p:spTgt>
+                                        </p:tgtEl>
+                                      </p:cBhvr>
+                                      <p:to x="100000" y="100000"/>
+                                    </p:animScale>
+                                  </p:childTnLst>
+                                </p:cTn>
+                              </p:par>
+                            </p:childTnLst>
+                          </p:cTn>
+                        </p:par>
+                      </p:childTnLst>
+                    </p:cTn>
+                  </p:par>
+                </p:childTnLst>
+              </p:cTn>
+              <p:prevCondLst>
+                <p:cond evt="onPrev" delay="0">
+                  <p:tgtEl>
+                    <p:sldTgt/>
+                  </p:tgtEl>
+                </p:cond>
+              </p:prevCondLst>
+              <p:nextCondLst>
+                <p:cond evt="onNext" delay="0">
+                  <p:tgtEl>
+                    <p:sldTgt/>
+                  </p:tgtEl>
+                </p:cond>
+              </p:nextCondLst>
+            </p:seq>
+          </p:childTnLst>
+        </p:cTn>
       </p:par>
     </p:tnLst>
+    <p:bldLst>
+      <p:bldP spid="218" grpId="1"/>
+      <p:bldP spid="219" grpId="0" build="p"/>
+    </p:bldLst>
   </p:timing>
 </p:sld>
 </file>
@@ -8362,12 +9002,601 @@
   <p:clrMapOvr>
     <a:masterClrMapping/>
   </p:clrMapOvr>
+  <mc:AlternateContent xmlns:mc="http://schemas.openxmlformats.org/markup-compatibility/2006">
+    <mc:Choice xmlns:p14="http://schemas.microsoft.com/office/powerpoint/2010/main" Requires="p14">
+      <p:transition spd="slow" p14:dur="2000">
+        <p14:ferris dir="l"/>
+      </p:transition>
+    </mc:Choice>
+    <mc:Fallback>
+      <p:transition spd="slow">
+        <p:fade/>
+      </p:transition>
+    </mc:Fallback>
+  </mc:AlternateContent>
   <p:timing>
     <p:tnLst>
       <p:par>
-        <p:cTn id="1" dur="indefinite" restart="never" nodeType="tmRoot"/>
+        <p:cTn id="1" dur="indefinite" restart="never" nodeType="tmRoot">
+          <p:childTnLst>
+            <p:seq concurrent="1" nextAc="seek">
+              <p:cTn id="2" dur="indefinite" nodeType="mainSeq">
+                <p:childTnLst>
+                  <p:par>
+                    <p:cTn id="3" fill="hold">
+                      <p:stCondLst>
+                        <p:cond delay="indefinite"/>
+                        <p:cond evt="onBegin" delay="0">
+                          <p:tn val="2"/>
+                        </p:cond>
+                      </p:stCondLst>
+                      <p:childTnLst>
+                        <p:par>
+                          <p:cTn id="4" fill="hold">
+                            <p:stCondLst>
+                              <p:cond delay="0"/>
+                            </p:stCondLst>
+                            <p:childTnLst>
+                              <p:par>
+                                <p:cTn id="5" presetID="31" presetClass="entr" presetSubtype="0" fill="hold" grpId="0" nodeType="afterEffect">
+                                  <p:stCondLst>
+                                    <p:cond delay="0"/>
+                                  </p:stCondLst>
+                                  <p:childTnLst>
+                                    <p:set>
+                                      <p:cBhvr>
+                                        <p:cTn id="6" dur="1" fill="hold">
+                                          <p:stCondLst>
+                                            <p:cond delay="0"/>
+                                          </p:stCondLst>
+                                        </p:cTn>
+                                        <p:tgtEl>
+                                          <p:spTgt spid="240"/>
+                                        </p:tgtEl>
+                                        <p:attrNameLst>
+                                          <p:attrName>style.visibility</p:attrName>
+                                        </p:attrNameLst>
+                                      </p:cBhvr>
+                                      <p:to>
+                                        <p:strVal val="visible"/>
+                                      </p:to>
+                                    </p:set>
+                                    <p:anim calcmode="lin" valueType="num">
+                                      <p:cBhvr>
+                                        <p:cTn id="7" dur="1000" fill="hold"/>
+                                        <p:tgtEl>
+                                          <p:spTgt spid="240"/>
+                                        </p:tgtEl>
+                                        <p:attrNameLst>
+                                          <p:attrName>ppt_w</p:attrName>
+                                        </p:attrNameLst>
+                                      </p:cBhvr>
+                                      <p:tavLst>
+                                        <p:tav tm="0">
+                                          <p:val>
+                                            <p:fltVal val="0"/>
+                                          </p:val>
+                                        </p:tav>
+                                        <p:tav tm="100000">
+                                          <p:val>
+                                            <p:strVal val="#ppt_w"/>
+                                          </p:val>
+                                        </p:tav>
+                                      </p:tavLst>
+                                    </p:anim>
+                                    <p:anim calcmode="lin" valueType="num">
+                                      <p:cBhvr>
+                                        <p:cTn id="8" dur="1000" fill="hold"/>
+                                        <p:tgtEl>
+                                          <p:spTgt spid="240"/>
+                                        </p:tgtEl>
+                                        <p:attrNameLst>
+                                          <p:attrName>ppt_h</p:attrName>
+                                        </p:attrNameLst>
+                                      </p:cBhvr>
+                                      <p:tavLst>
+                                        <p:tav tm="0">
+                                          <p:val>
+                                            <p:fltVal val="0"/>
+                                          </p:val>
+                                        </p:tav>
+                                        <p:tav tm="100000">
+                                          <p:val>
+                                            <p:strVal val="#ppt_h"/>
+                                          </p:val>
+                                        </p:tav>
+                                      </p:tavLst>
+                                    </p:anim>
+                                    <p:anim calcmode="lin" valueType="num">
+                                      <p:cBhvr>
+                                        <p:cTn id="9" dur="1000" fill="hold"/>
+                                        <p:tgtEl>
+                                          <p:spTgt spid="240"/>
+                                        </p:tgtEl>
+                                        <p:attrNameLst>
+                                          <p:attrName>style.rotation</p:attrName>
+                                        </p:attrNameLst>
+                                      </p:cBhvr>
+                                      <p:tavLst>
+                                        <p:tav tm="0">
+                                          <p:val>
+                                            <p:fltVal val="90"/>
+                                          </p:val>
+                                        </p:tav>
+                                        <p:tav tm="100000">
+                                          <p:val>
+                                            <p:fltVal val="0"/>
+                                          </p:val>
+                                        </p:tav>
+                                      </p:tavLst>
+                                    </p:anim>
+                                    <p:animEffect transition="in" filter="fade">
+                                      <p:cBhvr>
+                                        <p:cTn id="10" dur="1000"/>
+                                        <p:tgtEl>
+                                          <p:spTgt spid="240"/>
+                                        </p:tgtEl>
+                                      </p:cBhvr>
+                                    </p:animEffect>
+                                  </p:childTnLst>
+                                </p:cTn>
+                              </p:par>
+                            </p:childTnLst>
+                          </p:cTn>
+                        </p:par>
+                        <p:par>
+                          <p:cTn id="11" fill="hold">
+                            <p:stCondLst>
+                              <p:cond delay="1000"/>
+                            </p:stCondLst>
+                            <p:childTnLst>
+                              <p:par>
+                                <p:cTn id="12" presetID="53" presetClass="entr" presetSubtype="16" fill="hold" grpId="0" nodeType="afterEffect">
+                                  <p:stCondLst>
+                                    <p:cond delay="0"/>
+                                  </p:stCondLst>
+                                  <p:childTnLst>
+                                    <p:set>
+                                      <p:cBhvr>
+                                        <p:cTn id="13" dur="1" fill="hold">
+                                          <p:stCondLst>
+                                            <p:cond delay="0"/>
+                                          </p:stCondLst>
+                                        </p:cTn>
+                                        <p:tgtEl>
+                                          <p:spTgt spid="239">
+                                            <p:txEl>
+                                              <p:pRg st="0" end="0"/>
+                                            </p:txEl>
+                                          </p:spTgt>
+                                        </p:tgtEl>
+                                        <p:attrNameLst>
+                                          <p:attrName>style.visibility</p:attrName>
+                                        </p:attrNameLst>
+                                      </p:cBhvr>
+                                      <p:to>
+                                        <p:strVal val="visible"/>
+                                      </p:to>
+                                    </p:set>
+                                    <p:anim calcmode="lin" valueType="num">
+                                      <p:cBhvr>
+                                        <p:cTn id="14" dur="500" fill="hold"/>
+                                        <p:tgtEl>
+                                          <p:spTgt spid="239">
+                                            <p:txEl>
+                                              <p:pRg st="0" end="0"/>
+                                            </p:txEl>
+                                          </p:spTgt>
+                                        </p:tgtEl>
+                                        <p:attrNameLst>
+                                          <p:attrName>ppt_w</p:attrName>
+                                        </p:attrNameLst>
+                                      </p:cBhvr>
+                                      <p:tavLst>
+                                        <p:tav tm="0">
+                                          <p:val>
+                                            <p:fltVal val="0"/>
+                                          </p:val>
+                                        </p:tav>
+                                        <p:tav tm="100000">
+                                          <p:val>
+                                            <p:strVal val="#ppt_w"/>
+                                          </p:val>
+                                        </p:tav>
+                                      </p:tavLst>
+                                    </p:anim>
+                                    <p:anim calcmode="lin" valueType="num">
+                                      <p:cBhvr>
+                                        <p:cTn id="15" dur="500" fill="hold"/>
+                                        <p:tgtEl>
+                                          <p:spTgt spid="239">
+                                            <p:txEl>
+                                              <p:pRg st="0" end="0"/>
+                                            </p:txEl>
+                                          </p:spTgt>
+                                        </p:tgtEl>
+                                        <p:attrNameLst>
+                                          <p:attrName>ppt_h</p:attrName>
+                                        </p:attrNameLst>
+                                      </p:cBhvr>
+                                      <p:tavLst>
+                                        <p:tav tm="0">
+                                          <p:val>
+                                            <p:fltVal val="0"/>
+                                          </p:val>
+                                        </p:tav>
+                                        <p:tav tm="100000">
+                                          <p:val>
+                                            <p:strVal val="#ppt_h"/>
+                                          </p:val>
+                                        </p:tav>
+                                      </p:tavLst>
+                                    </p:anim>
+                                    <p:animEffect transition="in" filter="fade">
+                                      <p:cBhvr>
+                                        <p:cTn id="16" dur="500"/>
+                                        <p:tgtEl>
+                                          <p:spTgt spid="239">
+                                            <p:txEl>
+                                              <p:pRg st="0" end="0"/>
+                                            </p:txEl>
+                                          </p:spTgt>
+                                        </p:tgtEl>
+                                      </p:cBhvr>
+                                    </p:animEffect>
+                                  </p:childTnLst>
+                                </p:cTn>
+                              </p:par>
+                            </p:childTnLst>
+                          </p:cTn>
+                        </p:par>
+                        <p:par>
+                          <p:cTn id="17" fill="hold">
+                            <p:stCondLst>
+                              <p:cond delay="1500"/>
+                            </p:stCondLst>
+                            <p:childTnLst>
+                              <p:par>
+                                <p:cTn id="18" presetID="53" presetClass="entr" presetSubtype="16" fill="hold" grpId="0" nodeType="afterEffect">
+                                  <p:stCondLst>
+                                    <p:cond delay="0"/>
+                                  </p:stCondLst>
+                                  <p:childTnLst>
+                                    <p:set>
+                                      <p:cBhvr>
+                                        <p:cTn id="19" dur="1" fill="hold">
+                                          <p:stCondLst>
+                                            <p:cond delay="0"/>
+                                          </p:stCondLst>
+                                        </p:cTn>
+                                        <p:tgtEl>
+                                          <p:spTgt spid="239">
+                                            <p:txEl>
+                                              <p:pRg st="2" end="2"/>
+                                            </p:txEl>
+                                          </p:spTgt>
+                                        </p:tgtEl>
+                                        <p:attrNameLst>
+                                          <p:attrName>style.visibility</p:attrName>
+                                        </p:attrNameLst>
+                                      </p:cBhvr>
+                                      <p:to>
+                                        <p:strVal val="visible"/>
+                                      </p:to>
+                                    </p:set>
+                                    <p:anim calcmode="lin" valueType="num">
+                                      <p:cBhvr>
+                                        <p:cTn id="20" dur="500" fill="hold"/>
+                                        <p:tgtEl>
+                                          <p:spTgt spid="239">
+                                            <p:txEl>
+                                              <p:pRg st="2" end="2"/>
+                                            </p:txEl>
+                                          </p:spTgt>
+                                        </p:tgtEl>
+                                        <p:attrNameLst>
+                                          <p:attrName>ppt_w</p:attrName>
+                                        </p:attrNameLst>
+                                      </p:cBhvr>
+                                      <p:tavLst>
+                                        <p:tav tm="0">
+                                          <p:val>
+                                            <p:fltVal val="0"/>
+                                          </p:val>
+                                        </p:tav>
+                                        <p:tav tm="100000">
+                                          <p:val>
+                                            <p:strVal val="#ppt_w"/>
+                                          </p:val>
+                                        </p:tav>
+                                      </p:tavLst>
+                                    </p:anim>
+                                    <p:anim calcmode="lin" valueType="num">
+                                      <p:cBhvr>
+                                        <p:cTn id="21" dur="500" fill="hold"/>
+                                        <p:tgtEl>
+                                          <p:spTgt spid="239">
+                                            <p:txEl>
+                                              <p:pRg st="2" end="2"/>
+                                            </p:txEl>
+                                          </p:spTgt>
+                                        </p:tgtEl>
+                                        <p:attrNameLst>
+                                          <p:attrName>ppt_h</p:attrName>
+                                        </p:attrNameLst>
+                                      </p:cBhvr>
+                                      <p:tavLst>
+                                        <p:tav tm="0">
+                                          <p:val>
+                                            <p:fltVal val="0"/>
+                                          </p:val>
+                                        </p:tav>
+                                        <p:tav tm="100000">
+                                          <p:val>
+                                            <p:strVal val="#ppt_h"/>
+                                          </p:val>
+                                        </p:tav>
+                                      </p:tavLst>
+                                    </p:anim>
+                                    <p:animEffect transition="in" filter="fade">
+                                      <p:cBhvr>
+                                        <p:cTn id="22" dur="500"/>
+                                        <p:tgtEl>
+                                          <p:spTgt spid="239">
+                                            <p:txEl>
+                                              <p:pRg st="2" end="2"/>
+                                            </p:txEl>
+                                          </p:spTgt>
+                                        </p:tgtEl>
+                                      </p:cBhvr>
+                                    </p:animEffect>
+                                  </p:childTnLst>
+                                </p:cTn>
+                              </p:par>
+                            </p:childTnLst>
+                          </p:cTn>
+                        </p:par>
+                        <p:par>
+                          <p:cTn id="23" fill="hold">
+                            <p:stCondLst>
+                              <p:cond delay="2000"/>
+                            </p:stCondLst>
+                            <p:childTnLst>
+                              <p:par>
+                                <p:cTn id="24" presetID="53" presetClass="entr" presetSubtype="16" fill="hold" grpId="0" nodeType="afterEffect">
+                                  <p:stCondLst>
+                                    <p:cond delay="0"/>
+                                  </p:stCondLst>
+                                  <p:childTnLst>
+                                    <p:set>
+                                      <p:cBhvr>
+                                        <p:cTn id="25" dur="1" fill="hold">
+                                          <p:stCondLst>
+                                            <p:cond delay="0"/>
+                                          </p:stCondLst>
+                                        </p:cTn>
+                                        <p:tgtEl>
+                                          <p:spTgt spid="241">
+                                            <p:txEl>
+                                              <p:pRg st="0" end="0"/>
+                                            </p:txEl>
+                                          </p:spTgt>
+                                        </p:tgtEl>
+                                        <p:attrNameLst>
+                                          <p:attrName>style.visibility</p:attrName>
+                                        </p:attrNameLst>
+                                      </p:cBhvr>
+                                      <p:to>
+                                        <p:strVal val="visible"/>
+                                      </p:to>
+                                    </p:set>
+                                    <p:anim calcmode="lin" valueType="num">
+                                      <p:cBhvr>
+                                        <p:cTn id="26" dur="500" fill="hold"/>
+                                        <p:tgtEl>
+                                          <p:spTgt spid="241">
+                                            <p:txEl>
+                                              <p:pRg st="0" end="0"/>
+                                            </p:txEl>
+                                          </p:spTgt>
+                                        </p:tgtEl>
+                                        <p:attrNameLst>
+                                          <p:attrName>ppt_w</p:attrName>
+                                        </p:attrNameLst>
+                                      </p:cBhvr>
+                                      <p:tavLst>
+                                        <p:tav tm="0">
+                                          <p:val>
+                                            <p:fltVal val="0"/>
+                                          </p:val>
+                                        </p:tav>
+                                        <p:tav tm="100000">
+                                          <p:val>
+                                            <p:strVal val="#ppt_w"/>
+                                          </p:val>
+                                        </p:tav>
+                                      </p:tavLst>
+                                    </p:anim>
+                                    <p:anim calcmode="lin" valueType="num">
+                                      <p:cBhvr>
+                                        <p:cTn id="27" dur="500" fill="hold"/>
+                                        <p:tgtEl>
+                                          <p:spTgt spid="241">
+                                            <p:txEl>
+                                              <p:pRg st="0" end="0"/>
+                                            </p:txEl>
+                                          </p:spTgt>
+                                        </p:tgtEl>
+                                        <p:attrNameLst>
+                                          <p:attrName>ppt_h</p:attrName>
+                                        </p:attrNameLst>
+                                      </p:cBhvr>
+                                      <p:tavLst>
+                                        <p:tav tm="0">
+                                          <p:val>
+                                            <p:fltVal val="0"/>
+                                          </p:val>
+                                        </p:tav>
+                                        <p:tav tm="100000">
+                                          <p:val>
+                                            <p:strVal val="#ppt_h"/>
+                                          </p:val>
+                                        </p:tav>
+                                      </p:tavLst>
+                                    </p:anim>
+                                    <p:animEffect transition="in" filter="fade">
+                                      <p:cBhvr>
+                                        <p:cTn id="28" dur="500"/>
+                                        <p:tgtEl>
+                                          <p:spTgt spid="241">
+                                            <p:txEl>
+                                              <p:pRg st="0" end="0"/>
+                                            </p:txEl>
+                                          </p:spTgt>
+                                        </p:tgtEl>
+                                      </p:cBhvr>
+                                    </p:animEffect>
+                                  </p:childTnLst>
+                                </p:cTn>
+                              </p:par>
+                            </p:childTnLst>
+                          </p:cTn>
+                        </p:par>
+                        <p:par>
+                          <p:cTn id="29" fill="hold">
+                            <p:stCondLst>
+                              <p:cond delay="2500"/>
+                            </p:stCondLst>
+                            <p:childTnLst>
+                              <p:par>
+                                <p:cTn id="30" presetID="53" presetClass="entr" presetSubtype="16" fill="hold" grpId="0" nodeType="afterEffect">
+                                  <p:stCondLst>
+                                    <p:cond delay="0"/>
+                                  </p:stCondLst>
+                                  <p:childTnLst>
+                                    <p:set>
+                                      <p:cBhvr>
+                                        <p:cTn id="31" dur="1" fill="hold">
+                                          <p:stCondLst>
+                                            <p:cond delay="0"/>
+                                          </p:stCondLst>
+                                        </p:cTn>
+                                        <p:tgtEl>
+                                          <p:spTgt spid="241">
+                                            <p:txEl>
+                                              <p:pRg st="2" end="2"/>
+                                            </p:txEl>
+                                          </p:spTgt>
+                                        </p:tgtEl>
+                                        <p:attrNameLst>
+                                          <p:attrName>style.visibility</p:attrName>
+                                        </p:attrNameLst>
+                                      </p:cBhvr>
+                                      <p:to>
+                                        <p:strVal val="visible"/>
+                                      </p:to>
+                                    </p:set>
+                                    <p:anim calcmode="lin" valueType="num">
+                                      <p:cBhvr>
+                                        <p:cTn id="32" dur="500" fill="hold"/>
+                                        <p:tgtEl>
+                                          <p:spTgt spid="241">
+                                            <p:txEl>
+                                              <p:pRg st="2" end="2"/>
+                                            </p:txEl>
+                                          </p:spTgt>
+                                        </p:tgtEl>
+                                        <p:attrNameLst>
+                                          <p:attrName>ppt_w</p:attrName>
+                                        </p:attrNameLst>
+                                      </p:cBhvr>
+                                      <p:tavLst>
+                                        <p:tav tm="0">
+                                          <p:val>
+                                            <p:fltVal val="0"/>
+                                          </p:val>
+                                        </p:tav>
+                                        <p:tav tm="100000">
+                                          <p:val>
+                                            <p:strVal val="#ppt_w"/>
+                                          </p:val>
+                                        </p:tav>
+                                      </p:tavLst>
+                                    </p:anim>
+                                    <p:anim calcmode="lin" valueType="num">
+                                      <p:cBhvr>
+                                        <p:cTn id="33" dur="500" fill="hold"/>
+                                        <p:tgtEl>
+                                          <p:spTgt spid="241">
+                                            <p:txEl>
+                                              <p:pRg st="2" end="2"/>
+                                            </p:txEl>
+                                          </p:spTgt>
+                                        </p:tgtEl>
+                                        <p:attrNameLst>
+                                          <p:attrName>ppt_h</p:attrName>
+                                        </p:attrNameLst>
+                                      </p:cBhvr>
+                                      <p:tavLst>
+                                        <p:tav tm="0">
+                                          <p:val>
+                                            <p:fltVal val="0"/>
+                                          </p:val>
+                                        </p:tav>
+                                        <p:tav tm="100000">
+                                          <p:val>
+                                            <p:strVal val="#ppt_h"/>
+                                          </p:val>
+                                        </p:tav>
+                                      </p:tavLst>
+                                    </p:anim>
+                                    <p:animEffect transition="in" filter="fade">
+                                      <p:cBhvr>
+                                        <p:cTn id="34" dur="500"/>
+                                        <p:tgtEl>
+                                          <p:spTgt spid="241">
+                                            <p:txEl>
+                                              <p:pRg st="2" end="2"/>
+                                            </p:txEl>
+                                          </p:spTgt>
+                                        </p:tgtEl>
+                                      </p:cBhvr>
+                                    </p:animEffect>
+                                  </p:childTnLst>
+                                </p:cTn>
+                              </p:par>
+                            </p:childTnLst>
+                          </p:cTn>
+                        </p:par>
+                      </p:childTnLst>
+                    </p:cTn>
+                  </p:par>
+                </p:childTnLst>
+              </p:cTn>
+              <p:prevCondLst>
+                <p:cond evt="onPrev" delay="0">
+                  <p:tgtEl>
+                    <p:sldTgt/>
+                  </p:tgtEl>
+                </p:cond>
+              </p:prevCondLst>
+              <p:nextCondLst>
+                <p:cond evt="onNext" delay="0">
+                  <p:tgtEl>
+                    <p:sldTgt/>
+                  </p:tgtEl>
+                </p:cond>
+              </p:nextCondLst>
+            </p:seq>
+          </p:childTnLst>
+        </p:cTn>
       </p:par>
     </p:tnLst>
+    <p:bldLst>
+      <p:bldP spid="239" grpId="0" uiExpand="1" build="p"/>
+      <p:bldP spid="240" grpId="0"/>
+      <p:bldP spid="241" grpId="0" uiExpand="1" build="p"/>
+    </p:bldLst>
   </p:timing>
 </p:sld>
 </file>
@@ -8422,7 +9651,15 @@
             </a:pPr>
             <a:r>
               <a:rPr lang="en" dirty="0" smtClean="0"/>
-              <a:t>En caso de que no llegue a buen puerto el entrenamiento de redes neuronales,se tiene pensado utilizar otro metodo.</a:t>
+              <a:t>En caso de que no llegue a buen puerto el entrenamiento de redes neuronales</a:t>
+            </a:r>
+            <a:r>
+              <a:rPr lang="en" dirty="0" smtClean="0"/>
+              <a:t>, se </a:t>
+            </a:r>
+            <a:r>
+              <a:rPr lang="en" dirty="0" smtClean="0"/>
+              <a:t>tiene pensado utilizar otro metodo.</a:t>
             </a:r>
             <a:endParaRPr lang="en" dirty="0"/>
           </a:p>
@@ -8433,12 +9670,114 @@
   <p:clrMapOvr>
     <a:masterClrMapping/>
   </p:clrMapOvr>
+  <mc:AlternateContent xmlns:mc="http://schemas.openxmlformats.org/markup-compatibility/2006">
+    <mc:Choice xmlns:p14="http://schemas.microsoft.com/office/powerpoint/2010/main" Requires="p14">
+      <p:transition spd="slow" p14:dur="800">
+        <p14:flythrough/>
+      </p:transition>
+    </mc:Choice>
+    <mc:Fallback>
+      <p:transition spd="slow">
+        <p:fade/>
+      </p:transition>
+    </mc:Fallback>
+  </mc:AlternateContent>
   <p:timing>
     <p:tnLst>
       <p:par>
-        <p:cTn id="1" dur="indefinite" restart="never" nodeType="tmRoot"/>
+        <p:cTn id="1" dur="indefinite" restart="never" nodeType="tmRoot">
+          <p:childTnLst>
+            <p:seq concurrent="1" nextAc="seek">
+              <p:cTn id="2" dur="indefinite" nodeType="mainSeq">
+                <p:childTnLst>
+                  <p:par>
+                    <p:cTn id="3" fill="hold">
+                      <p:stCondLst>
+                        <p:cond delay="indefinite"/>
+                        <p:cond evt="onBegin" delay="0">
+                          <p:tn val="2"/>
+                        </p:cond>
+                      </p:stCondLst>
+                      <p:childTnLst>
+                        <p:par>
+                          <p:cTn id="4" fill="hold">
+                            <p:stCondLst>
+                              <p:cond delay="0"/>
+                            </p:stCondLst>
+                            <p:childTnLst>
+                              <p:par>
+                                <p:cTn id="5" presetID="21" presetClass="entr" presetSubtype="1" fill="hold" grpId="0" nodeType="afterEffect">
+                                  <p:stCondLst>
+                                    <p:cond delay="0"/>
+                                  </p:stCondLst>
+                                  <p:childTnLst>
+                                    <p:set>
+                                      <p:cBhvr>
+                                        <p:cTn id="6" dur="1" fill="hold">
+                                          <p:stCondLst>
+                                            <p:cond delay="0"/>
+                                          </p:stCondLst>
+                                        </p:cTn>
+                                        <p:tgtEl>
+                                          <p:spTgt spid="213">
+                                            <p:txEl>
+                                              <p:pRg st="0" end="0"/>
+                                            </p:txEl>
+                                          </p:spTgt>
+                                        </p:tgtEl>
+                                        <p:attrNameLst>
+                                          <p:attrName>style.visibility</p:attrName>
+                                        </p:attrNameLst>
+                                      </p:cBhvr>
+                                      <p:to>
+                                        <p:strVal val="visible"/>
+                                      </p:to>
+                                    </p:set>
+                                    <p:animEffect transition="in" filter="wheel(1)">
+                                      <p:cBhvr>
+                                        <p:cTn id="7" dur="1500"/>
+                                        <p:tgtEl>
+                                          <p:spTgt spid="213">
+                                            <p:txEl>
+                                              <p:pRg st="0" end="0"/>
+                                            </p:txEl>
+                                          </p:spTgt>
+                                        </p:tgtEl>
+                                      </p:cBhvr>
+                                    </p:animEffect>
+                                  </p:childTnLst>
+                                </p:cTn>
+                              </p:par>
+                            </p:childTnLst>
+                          </p:cTn>
+                        </p:par>
+                      </p:childTnLst>
+                    </p:cTn>
+                  </p:par>
+                </p:childTnLst>
+              </p:cTn>
+              <p:prevCondLst>
+                <p:cond evt="onPrev" delay="0">
+                  <p:tgtEl>
+                    <p:sldTgt/>
+                  </p:tgtEl>
+                </p:cond>
+              </p:prevCondLst>
+              <p:nextCondLst>
+                <p:cond evt="onNext" delay="0">
+                  <p:tgtEl>
+                    <p:sldTgt/>
+                  </p:tgtEl>
+                </p:cond>
+              </p:nextCondLst>
+            </p:seq>
+          </p:childTnLst>
+        </p:cTn>
       </p:par>
     </p:tnLst>
+    <p:bldLst>
+      <p:bldP spid="213" grpId="0" build="p"/>
+    </p:bldLst>
   </p:timing>
 </p:sld>
 </file>
@@ -8501,12 +9840,114 @@
   <p:clrMapOvr>
     <a:masterClrMapping/>
   </p:clrMapOvr>
+  <mc:AlternateContent xmlns:mc="http://schemas.openxmlformats.org/markup-compatibility/2006">
+    <mc:Choice xmlns:p14="http://schemas.microsoft.com/office/powerpoint/2010/main" Requires="p14">
+      <p:transition spd="slow" p14:dur="1600">
+        <p14:prism isContent="1" isInverted="1"/>
+      </p:transition>
+    </mc:Choice>
+    <mc:Fallback>
+      <p:transition spd="slow">
+        <p:fade/>
+      </p:transition>
+    </mc:Fallback>
+  </mc:AlternateContent>
   <p:timing>
     <p:tnLst>
       <p:par>
-        <p:cTn id="1" dur="indefinite" restart="never" nodeType="tmRoot"/>
+        <p:cTn id="1" dur="indefinite" restart="never" nodeType="tmRoot">
+          <p:childTnLst>
+            <p:seq concurrent="1" nextAc="seek">
+              <p:cTn id="2" dur="indefinite" nodeType="mainSeq">
+                <p:childTnLst>
+                  <p:par>
+                    <p:cTn id="3" fill="hold">
+                      <p:stCondLst>
+                        <p:cond delay="indefinite"/>
+                        <p:cond evt="onBegin" delay="0">
+                          <p:tn val="2"/>
+                        </p:cond>
+                      </p:stCondLst>
+                      <p:childTnLst>
+                        <p:par>
+                          <p:cTn id="4" fill="hold">
+                            <p:stCondLst>
+                              <p:cond delay="0"/>
+                            </p:stCondLst>
+                            <p:childTnLst>
+                              <p:par>
+                                <p:cTn id="5" presetID="22" presetClass="entr" presetSubtype="8" fill="hold" grpId="0" nodeType="afterEffect">
+                                  <p:stCondLst>
+                                    <p:cond delay="0"/>
+                                  </p:stCondLst>
+                                  <p:childTnLst>
+                                    <p:set>
+                                      <p:cBhvr>
+                                        <p:cTn id="6" dur="1" fill="hold">
+                                          <p:stCondLst>
+                                            <p:cond delay="0"/>
+                                          </p:stCondLst>
+                                        </p:cTn>
+                                        <p:tgtEl>
+                                          <p:spTgt spid="2">
+                                            <p:txEl>
+                                              <p:pRg st="0" end="0"/>
+                                            </p:txEl>
+                                          </p:spTgt>
+                                        </p:tgtEl>
+                                        <p:attrNameLst>
+                                          <p:attrName>style.visibility</p:attrName>
+                                        </p:attrNameLst>
+                                      </p:cBhvr>
+                                      <p:to>
+                                        <p:strVal val="visible"/>
+                                      </p:to>
+                                    </p:set>
+                                    <p:animEffect transition="in" filter="wipe(left)">
+                                      <p:cBhvr>
+                                        <p:cTn id="7" dur="1000"/>
+                                        <p:tgtEl>
+                                          <p:spTgt spid="2">
+                                            <p:txEl>
+                                              <p:pRg st="0" end="0"/>
+                                            </p:txEl>
+                                          </p:spTgt>
+                                        </p:tgtEl>
+                                      </p:cBhvr>
+                                    </p:animEffect>
+                                  </p:childTnLst>
+                                </p:cTn>
+                              </p:par>
+                            </p:childTnLst>
+                          </p:cTn>
+                        </p:par>
+                      </p:childTnLst>
+                    </p:cTn>
+                  </p:par>
+                </p:childTnLst>
+              </p:cTn>
+              <p:prevCondLst>
+                <p:cond evt="onPrev" delay="0">
+                  <p:tgtEl>
+                    <p:sldTgt/>
+                  </p:tgtEl>
+                </p:cond>
+              </p:prevCondLst>
+              <p:nextCondLst>
+                <p:cond evt="onNext" delay="0">
+                  <p:tgtEl>
+                    <p:sldTgt/>
+                  </p:tgtEl>
+                </p:cond>
+              </p:nextCondLst>
+            </p:seq>
+          </p:childTnLst>
+        </p:cTn>
       </p:par>
     </p:tnLst>
+    <p:bldLst>
+      <p:bldP spid="2" grpId="0" build="p"/>
+    </p:bldLst>
   </p:timing>
 </p:sld>
 </file>
@@ -8536,7 +9977,7 @@
         </p:nvSpPr>
         <p:spPr>
           <a:xfrm>
-            <a:off x="2222325" y="250226"/>
+            <a:off x="2222325" y="123478"/>
             <a:ext cx="4699256" cy="3658424"/>
           </a:xfrm>
           <a:custGeom>
@@ -8970,60 +10411,6 @@
       </p:sp>
       <p:sp>
         <p:nvSpPr>
-          <p:cNvPr id="394" name="Shape 394"/>
-          <p:cNvSpPr/>
-          <p:nvPr/>
-        </p:nvSpPr>
-        <p:spPr>
-          <a:xfrm>
-            <a:off x="2418945" y="442756"/>
-            <a:ext cx="4305899" cy="2749499"/>
-          </a:xfrm>
-          <a:prstGeom prst="rect">
-            <a:avLst/>
-          </a:prstGeom>
-          <a:solidFill>
-            <a:srgbClr val="F3F3F3"/>
-          </a:solidFill>
-          <a:ln w="9525" cap="flat" cmpd="sng">
-            <a:solidFill>
-              <a:srgbClr val="D9D9D9"/>
-            </a:solidFill>
-            <a:prstDash val="solid"/>
-            <a:round/>
-            <a:headEnd type="none" w="med" len="med"/>
-            <a:tailEnd type="none" w="med" len="med"/>
-          </a:ln>
-        </p:spPr>
-        <p:txBody>
-          <a:bodyPr lIns="91425" tIns="91425" rIns="91425" bIns="91425" anchor="ctr" anchorCtr="0">
-            <a:noAutofit/>
-          </a:bodyPr>
-          <a:lstStyle/>
-          <a:p>
-            <a:pPr lvl="0" algn="ctr" rtl="0">
-              <a:spcBef>
-                <a:spcPts val="0"/>
-              </a:spcBef>
-              <a:buNone/>
-            </a:pPr>
-            <a:r>
-              <a:rPr lang="en" sz="1000">
-                <a:solidFill>
-                  <a:srgbClr val="999999"/>
-                </a:solidFill>
-                <a:latin typeface="Varela Round"/>
-                <a:ea typeface="Varela Round"/>
-                <a:cs typeface="Varela Round"/>
-                <a:sym typeface="Varela Round"/>
-              </a:rPr>
-              <a:t>Place your screenshot here</a:t>
-            </a:r>
-          </a:p>
-        </p:txBody>
-      </p:sp>
-      <p:sp>
-        <p:nvSpPr>
           <p:cNvPr id="395" name="Shape 395"/>
           <p:cNvSpPr txBox="1">
             <a:spLocks noGrp="1"/>
@@ -9034,7 +10421,7 @@
         </p:nvSpPr>
         <p:spPr>
           <a:xfrm>
-            <a:off x="2085975" y="3843000"/>
+            <a:off x="2085853" y="3781902"/>
             <a:ext cx="4972200" cy="1224300"/>
           </a:xfrm>
           <a:prstGeom prst="rect">
@@ -9055,7 +10442,11 @@
             </a:pPr>
             <a:r>
               <a:rPr lang="en" sz="1800" dirty="0"/>
-              <a:t>Ejemplo de Organizacion</a:t>
+              <a:t>Ejemplo de </a:t>
+            </a:r>
+            <a:r>
+              <a:rPr lang="en" sz="1800" dirty="0" smtClean="0"/>
+              <a:t>Organizacion</a:t>
             </a:r>
             <a:endParaRPr lang="en" sz="1800" dirty="0" smtClean="0">
               <a:latin typeface="Nixie One"/>
@@ -9073,7 +10464,18 @@
             </a:pPr>
             <a:r>
               <a:rPr lang="en" sz="1400" dirty="0"/>
-              <a:t>De esta forma se podra acceder facilmente a las imagenes(ya que estan organizadas en directorios) para acceder a las fotos de cada </a:t>
+              <a:t/>
+            </a:r>
+            <a:br>
+              <a:rPr lang="en" sz="1400" dirty="0"/>
+            </a:br>
+            <a:r>
+              <a:rPr lang="en" sz="1400" dirty="0" smtClean="0"/>
+              <a:t>De </a:t>
+            </a:r>
+            <a:r>
+              <a:rPr lang="en" sz="1400" dirty="0"/>
+              <a:t>esta forma se podra acceder facilmente a las imagenes(ya que estan organizadas en directorios) para acceder a las fotos de cada </a:t>
             </a:r>
             <a:r>
               <a:rPr lang="en" sz="1400" dirty="0" smtClean="0"/>
@@ -9083,17 +10485,608 @@
           </a:p>
         </p:txBody>
       </p:sp>
+      <p:pic>
+        <p:nvPicPr>
+          <p:cNvPr id="7" name="6 Imagen"/>
+          <p:cNvPicPr>
+            <a:picLocks noChangeAspect="1"/>
+          </p:cNvPicPr>
+          <p:nvPr/>
+        </p:nvPicPr>
+        <p:blipFill>
+          <a:blip r:embed="rId3">
+            <a:extLst>
+              <a:ext uri="{28A0092B-C50C-407E-A947-70E740481C1C}">
+                <a14:useLocalDpi xmlns:a14="http://schemas.microsoft.com/office/drawing/2010/main" val="0"/>
+              </a:ext>
+            </a:extLst>
+          </a:blip>
+          <a:stretch>
+            <a:fillRect/>
+          </a:stretch>
+        </p:blipFill>
+        <p:spPr>
+          <a:xfrm>
+            <a:off x="2452415" y="360040"/>
+            <a:ext cx="4239073" cy="2643758"/>
+          </a:xfrm>
+          <a:prstGeom prst="rect">
+            <a:avLst/>
+          </a:prstGeom>
+        </p:spPr>
+      </p:pic>
     </p:spTree>
   </p:cSld>
   <p:clrMapOvr>
     <a:masterClrMapping/>
   </p:clrMapOvr>
+  <mc:AlternateContent xmlns:mc="http://schemas.openxmlformats.org/markup-compatibility/2006">
+    <mc:Choice xmlns:p14="http://schemas.microsoft.com/office/powerpoint/2010/main" Requires="p14">
+      <p:transition spd="slow" p14:dur="1200">
+        <p:dissolve/>
+      </p:transition>
+    </mc:Choice>
+    <mc:Fallback>
+      <p:transition spd="slow">
+        <p:dissolve/>
+      </p:transition>
+    </mc:Fallback>
+  </mc:AlternateContent>
   <p:timing>
     <p:tnLst>
       <p:par>
-        <p:cTn id="1" dur="indefinite" restart="never" nodeType="tmRoot"/>
+        <p:cTn id="1" dur="indefinite" restart="never" nodeType="tmRoot">
+          <p:childTnLst>
+            <p:seq concurrent="1" nextAc="seek">
+              <p:cTn id="2" dur="indefinite" nodeType="mainSeq">
+                <p:childTnLst>
+                  <p:par>
+                    <p:cTn id="3" fill="hold">
+                      <p:stCondLst>
+                        <p:cond delay="indefinite"/>
+                        <p:cond evt="onBegin" delay="0">
+                          <p:tn val="2"/>
+                        </p:cond>
+                      </p:stCondLst>
+                      <p:childTnLst>
+                        <p:par>
+                          <p:cTn id="4" fill="hold">
+                            <p:stCondLst>
+                              <p:cond delay="0"/>
+                            </p:stCondLst>
+                            <p:childTnLst>
+                              <p:par>
+                                <p:cTn id="5" presetID="21" presetClass="entr" presetSubtype="1" fill="hold" grpId="0" nodeType="afterEffect">
+                                  <p:stCondLst>
+                                    <p:cond delay="0"/>
+                                  </p:stCondLst>
+                                  <p:childTnLst>
+                                    <p:set>
+                                      <p:cBhvr>
+                                        <p:cTn id="6" dur="1" fill="hold">
+                                          <p:stCondLst>
+                                            <p:cond delay="0"/>
+                                          </p:stCondLst>
+                                        </p:cTn>
+                                        <p:tgtEl>
+                                          <p:spTgt spid="393"/>
+                                        </p:tgtEl>
+                                        <p:attrNameLst>
+                                          <p:attrName>style.visibility</p:attrName>
+                                        </p:attrNameLst>
+                                      </p:cBhvr>
+                                      <p:to>
+                                        <p:strVal val="visible"/>
+                                      </p:to>
+                                    </p:set>
+                                    <p:animEffect transition="in" filter="wheel(1)">
+                                      <p:cBhvr>
+                                        <p:cTn id="7" dur="1500"/>
+                                        <p:tgtEl>
+                                          <p:spTgt spid="393"/>
+                                        </p:tgtEl>
+                                      </p:cBhvr>
+                                    </p:animEffect>
+                                  </p:childTnLst>
+                                </p:cTn>
+                              </p:par>
+                              <p:par>
+                                <p:cTn id="8" presetID="21" presetClass="entr" presetSubtype="1" fill="hold" nodeType="withEffect">
+                                  <p:stCondLst>
+                                    <p:cond delay="0"/>
+                                  </p:stCondLst>
+                                  <p:childTnLst>
+                                    <p:set>
+                                      <p:cBhvr>
+                                        <p:cTn id="9" dur="1" fill="hold">
+                                          <p:stCondLst>
+                                            <p:cond delay="0"/>
+                                          </p:stCondLst>
+                                        </p:cTn>
+                                        <p:tgtEl>
+                                          <p:spTgt spid="7"/>
+                                        </p:tgtEl>
+                                        <p:attrNameLst>
+                                          <p:attrName>style.visibility</p:attrName>
+                                        </p:attrNameLst>
+                                      </p:cBhvr>
+                                      <p:to>
+                                        <p:strVal val="visible"/>
+                                      </p:to>
+                                    </p:set>
+                                    <p:animEffect transition="in" filter="wheel(1)">
+                                      <p:cBhvr>
+                                        <p:cTn id="10" dur="1500"/>
+                                        <p:tgtEl>
+                                          <p:spTgt spid="7"/>
+                                        </p:tgtEl>
+                                      </p:cBhvr>
+                                    </p:animEffect>
+                                  </p:childTnLst>
+                                </p:cTn>
+                              </p:par>
+                            </p:childTnLst>
+                          </p:cTn>
+                        </p:par>
+                        <p:par>
+                          <p:cTn id="11" fill="hold">
+                            <p:stCondLst>
+                              <p:cond delay="1500"/>
+                            </p:stCondLst>
+                            <p:childTnLst>
+                              <p:par>
+                                <p:cTn id="12" presetID="16" presetClass="entr" presetSubtype="37" fill="hold" grpId="0" nodeType="afterEffect">
+                                  <p:stCondLst>
+                                    <p:cond delay="0"/>
+                                  </p:stCondLst>
+                                  <p:childTnLst>
+                                    <p:set>
+                                      <p:cBhvr>
+                                        <p:cTn id="13" dur="1" fill="hold">
+                                          <p:stCondLst>
+                                            <p:cond delay="0"/>
+                                          </p:stCondLst>
+                                        </p:cTn>
+                                        <p:tgtEl>
+                                          <p:spTgt spid="395">
+                                            <p:txEl>
+                                              <p:pRg st="0" end="0"/>
+                                            </p:txEl>
+                                          </p:spTgt>
+                                        </p:tgtEl>
+                                        <p:attrNameLst>
+                                          <p:attrName>style.visibility</p:attrName>
+                                        </p:attrNameLst>
+                                      </p:cBhvr>
+                                      <p:to>
+                                        <p:strVal val="visible"/>
+                                      </p:to>
+                                    </p:set>
+                                    <p:animEffect transition="in" filter="barn(outVertical)">
+                                      <p:cBhvr>
+                                        <p:cTn id="14" dur="500"/>
+                                        <p:tgtEl>
+                                          <p:spTgt spid="395">
+                                            <p:txEl>
+                                              <p:pRg st="0" end="0"/>
+                                            </p:txEl>
+                                          </p:spTgt>
+                                        </p:tgtEl>
+                                      </p:cBhvr>
+                                    </p:animEffect>
+                                  </p:childTnLst>
+                                </p:cTn>
+                              </p:par>
+                            </p:childTnLst>
+                          </p:cTn>
+                        </p:par>
+                        <p:par>
+                          <p:cTn id="15" fill="hold">
+                            <p:stCondLst>
+                              <p:cond delay="2000"/>
+                            </p:stCondLst>
+                            <p:childTnLst>
+                              <p:par>
+                                <p:cTn id="16" presetID="16" presetClass="entr" presetSubtype="37" fill="hold" grpId="0" nodeType="afterEffect">
+                                  <p:stCondLst>
+                                    <p:cond delay="0"/>
+                                  </p:stCondLst>
+                                  <p:childTnLst>
+                                    <p:set>
+                                      <p:cBhvr>
+                                        <p:cTn id="17" dur="1" fill="hold">
+                                          <p:stCondLst>
+                                            <p:cond delay="0"/>
+                                          </p:stCondLst>
+                                        </p:cTn>
+                                        <p:tgtEl>
+                                          <p:spTgt spid="395">
+                                            <p:txEl>
+                                              <p:pRg st="1" end="1"/>
+                                            </p:txEl>
+                                          </p:spTgt>
+                                        </p:tgtEl>
+                                        <p:attrNameLst>
+                                          <p:attrName>style.visibility</p:attrName>
+                                        </p:attrNameLst>
+                                      </p:cBhvr>
+                                      <p:to>
+                                        <p:strVal val="visible"/>
+                                      </p:to>
+                                    </p:set>
+                                    <p:animEffect transition="in" filter="barn(outVertical)">
+                                      <p:cBhvr>
+                                        <p:cTn id="18" dur="500"/>
+                                        <p:tgtEl>
+                                          <p:spTgt spid="395">
+                                            <p:txEl>
+                                              <p:pRg st="1" end="1"/>
+                                            </p:txEl>
+                                          </p:spTgt>
+                                        </p:tgtEl>
+                                      </p:cBhvr>
+                                    </p:animEffect>
+                                  </p:childTnLst>
+                                </p:cTn>
+                              </p:par>
+                            </p:childTnLst>
+                          </p:cTn>
+                        </p:par>
+                      </p:childTnLst>
+                    </p:cTn>
+                  </p:par>
+                </p:childTnLst>
+              </p:cTn>
+              <p:prevCondLst>
+                <p:cond evt="onPrev" delay="0">
+                  <p:tgtEl>
+                    <p:sldTgt/>
+                  </p:tgtEl>
+                </p:cond>
+              </p:prevCondLst>
+              <p:nextCondLst>
+                <p:cond evt="onNext" delay="0">
+                  <p:tgtEl>
+                    <p:sldTgt/>
+                  </p:tgtEl>
+                </p:cond>
+              </p:nextCondLst>
+            </p:seq>
+          </p:childTnLst>
+        </p:cTn>
       </p:par>
     </p:tnLst>
+    <p:bldLst>
+      <p:bldP spid="393" grpId="0" animBg="1"/>
+      <p:bldP spid="395" grpId="0" build="p"/>
+    </p:bldLst>
+  </p:timing>
+</p:sld>
+</file>
+
+<file path=ppt/slides/slide8.xml><?xml version="1.0" encoding="utf-8"?>
+<p:sld xmlns:a="http://schemas.openxmlformats.org/drawingml/2006/main" xmlns:r="http://schemas.openxmlformats.org/officeDocument/2006/relationships" xmlns:p="http://schemas.openxmlformats.org/presentationml/2006/main">
+  <p:cSld>
+    <p:spTree>
+      <p:nvGrpSpPr>
+        <p:cNvPr id="1" name=""/>
+        <p:cNvGrpSpPr/>
+        <p:nvPr/>
+      </p:nvGrpSpPr>
+      <p:grpSpPr>
+        <a:xfrm>
+          <a:off x="0" y="0"/>
+          <a:ext cx="0" cy="0"/>
+          <a:chOff x="0" y="0"/>
+          <a:chExt cx="0" cy="0"/>
+        </a:xfrm>
+      </p:grpSpPr>
+      <p:sp>
+        <p:nvSpPr>
+          <p:cNvPr id="3" name="2 Título"/>
+          <p:cNvSpPr>
+            <a:spLocks noGrp="1"/>
+          </p:cNvSpPr>
+          <p:nvPr>
+            <p:ph type="ctrTitle"/>
+          </p:nvPr>
+        </p:nvSpPr>
+        <p:spPr/>
+        <p:txBody>
+          <a:bodyPr/>
+          <a:lstStyle/>
+          <a:p>
+            <a:r>
+              <a:rPr lang="es-CL" dirty="0" smtClean="0"/>
+              <a:t>Muchas gracias por su </a:t>
+            </a:r>
+            <a:r>
+              <a:rPr lang="es-CL" dirty="0" err="1" smtClean="0"/>
+              <a:t>atencion</a:t>
+            </a:r>
+            <a:endParaRPr lang="es-CL" dirty="0"/>
+          </a:p>
+        </p:txBody>
+      </p:sp>
+      <p:pic>
+        <p:nvPicPr>
+          <p:cNvPr id="5" name="Picture 2" descr="C:\Users\lenovo\Desktop\Icono.png"/>
+          <p:cNvPicPr>
+            <a:picLocks noChangeAspect="1" noChangeArrowheads="1"/>
+          </p:cNvPicPr>
+          <p:nvPr/>
+        </p:nvPicPr>
+        <p:blipFill>
+          <a:blip r:embed="rId2">
+            <a:extLst>
+              <a:ext uri="{28A0092B-C50C-407E-A947-70E740481C1C}">
+                <a14:useLocalDpi xmlns:a14="http://schemas.microsoft.com/office/drawing/2010/main" val="0"/>
+              </a:ext>
+            </a:extLst>
+          </a:blip>
+          <a:srcRect/>
+          <a:stretch>
+            <a:fillRect/>
+          </a:stretch>
+        </p:blipFill>
+        <p:spPr bwMode="auto">
+          <a:xfrm>
+            <a:off x="2987824" y="1059582"/>
+            <a:ext cx="3240000" cy="3240000"/>
+          </a:xfrm>
+          <a:prstGeom prst="rect">
+            <a:avLst/>
+          </a:prstGeom>
+          <a:noFill/>
+          <a:extLst>
+            <a:ext uri="{909E8E84-426E-40DD-AFC4-6F175D3DCCD1}">
+              <a14:hiddenFill xmlns:a14="http://schemas.microsoft.com/office/drawing/2010/main">
+                <a:solidFill>
+                  <a:srgbClr val="FFFFFF"/>
+                </a:solidFill>
+              </a14:hiddenFill>
+            </a:ext>
+          </a:extLst>
+        </p:spPr>
+      </p:pic>
+    </p:spTree>
+    <p:extLst>
+      <p:ext uri="{BB962C8B-B14F-4D97-AF65-F5344CB8AC3E}">
+        <p14:creationId xmlns:p14="http://schemas.microsoft.com/office/powerpoint/2010/main" val="2218850346"/>
+      </p:ext>
+    </p:extLst>
+  </p:cSld>
+  <p:clrMapOvr>
+    <a:masterClrMapping/>
+  </p:clrMapOvr>
+  <mc:AlternateContent xmlns:mc="http://schemas.openxmlformats.org/markup-compatibility/2006">
+    <mc:Choice xmlns:p14="http://schemas.microsoft.com/office/powerpoint/2010/main" Requires="p14">
+      <p:transition spd="slow" p14:dur="1200">
+        <p14:prism/>
+      </p:transition>
+    </mc:Choice>
+    <mc:Fallback>
+      <p:transition spd="slow">
+        <p:fade/>
+      </p:transition>
+    </mc:Fallback>
+  </mc:AlternateContent>
+  <p:timing>
+    <p:tnLst>
+      <p:par>
+        <p:cTn id="1" dur="indefinite" restart="never" nodeType="tmRoot">
+          <p:childTnLst>
+            <p:seq concurrent="1" nextAc="seek">
+              <p:cTn id="2" dur="indefinite" nodeType="mainSeq">
+                <p:childTnLst>
+                  <p:par>
+                    <p:cTn id="3" fill="hold">
+                      <p:stCondLst>
+                        <p:cond delay="indefinite"/>
+                        <p:cond evt="onBegin" delay="0">
+                          <p:tn val="2"/>
+                        </p:cond>
+                      </p:stCondLst>
+                      <p:childTnLst>
+                        <p:par>
+                          <p:cTn id="4" fill="hold">
+                            <p:stCondLst>
+                              <p:cond delay="0"/>
+                            </p:stCondLst>
+                            <p:childTnLst>
+                              <p:par>
+                                <p:cTn id="5" presetID="28" presetClass="entr" presetSubtype="0" fill="hold" grpId="1" nodeType="afterEffect">
+                                  <p:stCondLst>
+                                    <p:cond delay="0"/>
+                                  </p:stCondLst>
+                                  <p:childTnLst>
+                                    <p:set>
+                                      <p:cBhvr>
+                                        <p:cTn id="6" dur="1" fill="hold">
+                                          <p:stCondLst>
+                                            <p:cond delay="0"/>
+                                          </p:stCondLst>
+                                        </p:cTn>
+                                        <p:tgtEl>
+                                          <p:spTgt spid="3"/>
+                                        </p:tgtEl>
+                                        <p:attrNameLst>
+                                          <p:attrName>style.visibility</p:attrName>
+                                        </p:attrNameLst>
+                                      </p:cBhvr>
+                                      <p:to>
+                                        <p:strVal val="visible"/>
+                                      </p:to>
+                                    </p:set>
+                                    <p:anim calcmode="lin" valueType="num">
+                                      <p:cBhvr>
+                                        <p:cTn id="7" dur="3250" fill="hold"/>
+                                        <p:tgtEl>
+                                          <p:spTgt spid="3"/>
+                                        </p:tgtEl>
+                                        <p:attrNameLst>
+                                          <p:attrName>ppt_x</p:attrName>
+                                        </p:attrNameLst>
+                                      </p:cBhvr>
+                                      <p:tavLst>
+                                        <p:tav tm="0">
+                                          <p:val>
+                                            <p:strVal val="#ppt_x"/>
+                                          </p:val>
+                                        </p:tav>
+                                        <p:tav tm="100000">
+                                          <p:val>
+                                            <p:strVal val="#ppt_x"/>
+                                          </p:val>
+                                        </p:tav>
+                                      </p:tavLst>
+                                    </p:anim>
+                                    <p:anim calcmode="lin" valueType="num">
+                                      <p:cBhvr>
+                                        <p:cTn id="8" dur="3250" fill="hold"/>
+                                        <p:tgtEl>
+                                          <p:spTgt spid="3"/>
+                                        </p:tgtEl>
+                                        <p:attrNameLst>
+                                          <p:attrName>ppt_y</p:attrName>
+                                        </p:attrNameLst>
+                                      </p:cBhvr>
+                                      <p:tavLst>
+                                        <p:tav tm="0">
+                                          <p:val>
+                                            <p:strVal val="#ppt_y+1"/>
+                                          </p:val>
+                                        </p:tav>
+                                        <p:tav tm="100000">
+                                          <p:val>
+                                            <p:strVal val="#ppt_y-1"/>
+                                          </p:val>
+                                        </p:tav>
+                                      </p:tavLst>
+                                    </p:anim>
+                                  </p:childTnLst>
+                                </p:cTn>
+                              </p:par>
+                            </p:childTnLst>
+                          </p:cTn>
+                        </p:par>
+                        <p:par>
+                          <p:cTn id="9" fill="hold">
+                            <p:stCondLst>
+                              <p:cond delay="3250"/>
+                            </p:stCondLst>
+                            <p:childTnLst>
+                              <p:par>
+                                <p:cTn id="10" presetID="53" presetClass="entr" presetSubtype="16" fill="hold" nodeType="afterEffect">
+                                  <p:stCondLst>
+                                    <p:cond delay="0"/>
+                                  </p:stCondLst>
+                                  <p:childTnLst>
+                                    <p:set>
+                                      <p:cBhvr>
+                                        <p:cTn id="11" dur="1" fill="hold">
+                                          <p:stCondLst>
+                                            <p:cond delay="0"/>
+                                          </p:stCondLst>
+                                        </p:cTn>
+                                        <p:tgtEl>
+                                          <p:spTgt spid="5"/>
+                                        </p:tgtEl>
+                                        <p:attrNameLst>
+                                          <p:attrName>style.visibility</p:attrName>
+                                        </p:attrNameLst>
+                                      </p:cBhvr>
+                                      <p:to>
+                                        <p:strVal val="visible"/>
+                                      </p:to>
+                                    </p:set>
+                                    <p:anim calcmode="lin" valueType="num">
+                                      <p:cBhvr>
+                                        <p:cTn id="12" dur="500" fill="hold"/>
+                                        <p:tgtEl>
+                                          <p:spTgt spid="5"/>
+                                        </p:tgtEl>
+                                        <p:attrNameLst>
+                                          <p:attrName>ppt_w</p:attrName>
+                                        </p:attrNameLst>
+                                      </p:cBhvr>
+                                      <p:tavLst>
+                                        <p:tav tm="0">
+                                          <p:val>
+                                            <p:fltVal val="0"/>
+                                          </p:val>
+                                        </p:tav>
+                                        <p:tav tm="100000">
+                                          <p:val>
+                                            <p:strVal val="#ppt_w"/>
+                                          </p:val>
+                                        </p:tav>
+                                      </p:tavLst>
+                                    </p:anim>
+                                    <p:anim calcmode="lin" valueType="num">
+                                      <p:cBhvr>
+                                        <p:cTn id="13" dur="500" fill="hold"/>
+                                        <p:tgtEl>
+                                          <p:spTgt spid="5"/>
+                                        </p:tgtEl>
+                                        <p:attrNameLst>
+                                          <p:attrName>ppt_h</p:attrName>
+                                        </p:attrNameLst>
+                                      </p:cBhvr>
+                                      <p:tavLst>
+                                        <p:tav tm="0">
+                                          <p:val>
+                                            <p:fltVal val="0"/>
+                                          </p:val>
+                                        </p:tav>
+                                        <p:tav tm="100000">
+                                          <p:val>
+                                            <p:strVal val="#ppt_h"/>
+                                          </p:val>
+                                        </p:tav>
+                                      </p:tavLst>
+                                    </p:anim>
+                                    <p:animEffect transition="in" filter="fade">
+                                      <p:cBhvr>
+                                        <p:cTn id="14" dur="500"/>
+                                        <p:tgtEl>
+                                          <p:spTgt spid="5"/>
+                                        </p:tgtEl>
+                                      </p:cBhvr>
+                                    </p:animEffect>
+                                  </p:childTnLst>
+                                </p:cTn>
+                              </p:par>
+                            </p:childTnLst>
+                          </p:cTn>
+                        </p:par>
+                      </p:childTnLst>
+                    </p:cTn>
+                  </p:par>
+                </p:childTnLst>
+              </p:cTn>
+              <p:prevCondLst>
+                <p:cond evt="onPrev" delay="0">
+                  <p:tgtEl>
+                    <p:sldTgt/>
+                  </p:tgtEl>
+                </p:cond>
+              </p:prevCondLst>
+              <p:nextCondLst>
+                <p:cond evt="onNext" delay="0">
+                  <p:tgtEl>
+                    <p:sldTgt/>
+                  </p:tgtEl>
+                </p:cond>
+              </p:nextCondLst>
+            </p:seq>
+          </p:childTnLst>
+        </p:cTn>
+      </p:par>
+    </p:tnLst>
+    <p:bldLst>
+      <p:bldP spid="3" grpId="1"/>
+    </p:bldLst>
   </p:timing>
 </p:sld>
 </file>
